--- a/Presentation.pptx
+++ b/Presentation.pptx
@@ -34,6 +34,20 @@
     <p:embeddedFont>
       <p:font typeface="Play Bold" panose="020B0604020202020204" charset="0"/>
       <p:regular r:id="rId15"/>
+    </p:embeddedFont>
+    <p:embeddedFont>
+      <p:font typeface="Product Sans" panose="020B0604020202020204" charset="0"/>
+      <p:regular r:id="rId16"/>
+      <p:bold r:id="rId17"/>
+      <p:italic r:id="rId18"/>
+      <p:boldItalic r:id="rId19"/>
+    </p:embeddedFont>
+    <p:embeddedFont>
+      <p:font typeface="Roboto" panose="02000000000000000000" pitchFamily="2" charset="0"/>
+      <p:regular r:id="rId20"/>
+      <p:bold r:id="rId21"/>
+      <p:italic r:id="rId22"/>
+      <p:boldItalic r:id="rId23"/>
     </p:embeddedFont>
   </p:embeddedFontLst>
   <p:defaultTextStyle>
@@ -139,7 +153,7 @@
             <a:srgbClr val="A4A3A4"/>
           </p15:clr>
         </p15:guide>
-        <p15:guide id="2" pos="2880">
+        <p15:guide id="2" pos="2832" userDrawn="1">
           <p15:clr>
             <a:srgbClr val="A4A3A4"/>
           </p15:clr>
@@ -153,66 +167,34 @@
 <file path=ppt/changesInfos/changesInfo1.xml><?xml version="1.0" encoding="utf-8"?>
 <pc:chgInfo xmlns:a="http://schemas.openxmlformats.org/drawingml/2006/main" xmlns:r="http://schemas.openxmlformats.org/officeDocument/2006/relationships" xmlns:ac="http://schemas.microsoft.com/office/drawing/2013/main/command" xmlns:pc="http://schemas.microsoft.com/office/powerpoint/2013/main/command">
   <pc:docChgLst>
-    <pc:chgData name="Abdelrahman Aref" userId="e4cd04cfe807deab" providerId="LiveId" clId="{8279B812-5ECA-4C0A-9CF1-95CC16971270}"/>
-    <pc:docChg chg="custSel modSld">
-      <pc:chgData name="Abdelrahman Aref" userId="e4cd04cfe807deab" providerId="LiveId" clId="{8279B812-5ECA-4C0A-9CF1-95CC16971270}" dt="2025-04-27T12:46:41.966" v="16"/>
+    <pc:chgData name="Abdelrahman Aref" userId="e4cd04cfe807deab" providerId="LiveId" clId="{AD57AA7A-CB7E-4E52-A8DA-3897239C179D}"/>
+    <pc:docChg chg="modSld">
+      <pc:chgData name="Abdelrahman Aref" userId="e4cd04cfe807deab" providerId="LiveId" clId="{AD57AA7A-CB7E-4E52-A8DA-3897239C179D}" dt="2025-04-27T17:23:02.693" v="30" actId="1037"/>
       <pc:docMkLst>
         <pc:docMk/>
       </pc:docMkLst>
-      <pc:sldChg chg="delSp modSp mod">
-        <pc:chgData name="Abdelrahman Aref" userId="e4cd04cfe807deab" providerId="LiveId" clId="{8279B812-5ECA-4C0A-9CF1-95CC16971270}" dt="2025-04-27T12:46:41.966" v="16"/>
+      <pc:sldChg chg="modSp mod">
+        <pc:chgData name="Abdelrahman Aref" userId="e4cd04cfe807deab" providerId="LiveId" clId="{AD57AA7A-CB7E-4E52-A8DA-3897239C179D}" dt="2025-04-27T17:23:02.693" v="30" actId="1037"/>
         <pc:sldMkLst>
           <pc:docMk/>
-          <pc:sldMk cId="0" sldId="262"/>
+          <pc:sldMk cId="0" sldId="258"/>
         </pc:sldMkLst>
         <pc:spChg chg="mod">
-          <ac:chgData name="Abdelrahman Aref" userId="e4cd04cfe807deab" providerId="LiveId" clId="{8279B812-5ECA-4C0A-9CF1-95CC16971270}" dt="2025-04-27T12:45:34.623" v="2" actId="1076"/>
+          <ac:chgData name="Abdelrahman Aref" userId="e4cd04cfe807deab" providerId="LiveId" clId="{AD57AA7A-CB7E-4E52-A8DA-3897239C179D}" dt="2025-04-27T17:23:02.693" v="30" actId="1037"/>
           <ac:spMkLst>
             <pc:docMk/>
-            <pc:sldMk cId="0" sldId="262"/>
+            <pc:sldMk cId="0" sldId="258"/>
             <ac:spMk id="2" creationId="{00000000-0000-0000-0000-000000000000}"/>
           </ac:spMkLst>
         </pc:spChg>
         <pc:spChg chg="mod">
-          <ac:chgData name="Abdelrahman Aref" userId="e4cd04cfe807deab" providerId="LiveId" clId="{8279B812-5ECA-4C0A-9CF1-95CC16971270}" dt="2025-04-27T12:45:54.325" v="14" actId="122"/>
+          <ac:chgData name="Abdelrahman Aref" userId="e4cd04cfe807deab" providerId="LiveId" clId="{AD57AA7A-CB7E-4E52-A8DA-3897239C179D}" dt="2025-04-27T17:22:59.350" v="21" actId="1037"/>
           <ac:spMkLst>
             <pc:docMk/>
-            <pc:sldMk cId="0" sldId="262"/>
-            <ac:spMk id="3" creationId="{00000000-0000-0000-0000-000000000000}"/>
+            <pc:sldMk cId="0" sldId="258"/>
+            <ac:spMk id="4" creationId="{00000000-0000-0000-0000-000000000000}"/>
           </ac:spMkLst>
         </pc:spChg>
-        <pc:spChg chg="del">
-          <ac:chgData name="Abdelrahman Aref" userId="e4cd04cfe807deab" providerId="LiveId" clId="{8279B812-5ECA-4C0A-9CF1-95CC16971270}" dt="2025-04-27T12:45:24.195" v="0" actId="478"/>
-          <ac:spMkLst>
-            <pc:docMk/>
-            <pc:sldMk cId="0" sldId="262"/>
-            <ac:spMk id="5" creationId="{00000000-0000-0000-0000-000000000000}"/>
-          </ac:spMkLst>
-        </pc:spChg>
-        <pc:spChg chg="mod">
-          <ac:chgData name="Abdelrahman Aref" userId="e4cd04cfe807deab" providerId="LiveId" clId="{8279B812-5ECA-4C0A-9CF1-95CC16971270}" dt="2025-04-27T12:46:32.736" v="15"/>
-          <ac:spMkLst>
-            <pc:docMk/>
-            <pc:sldMk cId="0" sldId="262"/>
-            <ac:spMk id="8" creationId="{00000000-0000-0000-0000-000000000000}"/>
-          </ac:spMkLst>
-        </pc:spChg>
-        <pc:spChg chg="mod">
-          <ac:chgData name="Abdelrahman Aref" userId="e4cd04cfe807deab" providerId="LiveId" clId="{8279B812-5ECA-4C0A-9CF1-95CC16971270}" dt="2025-04-27T12:46:41.966" v="16"/>
-          <ac:spMkLst>
-            <pc:docMk/>
-            <pc:sldMk cId="0" sldId="262"/>
-            <ac:spMk id="11" creationId="{00000000-0000-0000-0000-000000000000}"/>
-          </ac:spMkLst>
-        </pc:spChg>
-        <pc:grpChg chg="del">
-          <ac:chgData name="Abdelrahman Aref" userId="e4cd04cfe807deab" providerId="LiveId" clId="{8279B812-5ECA-4C0A-9CF1-95CC16971270}" dt="2025-04-27T12:45:30.379" v="1" actId="478"/>
-          <ac:grpSpMkLst>
-            <pc:docMk/>
-            <pc:sldMk cId="0" sldId="262"/>
-            <ac:grpSpMk id="12" creationId="{00000000-0000-0000-0000-000000000000}"/>
-          </ac:grpSpMkLst>
-        </pc:grpChg>
       </pc:sldChg>
     </pc:docChg>
   </pc:docChgLst>
@@ -3195,6 +3177,13 @@
             </a:stretch>
           </a:blipFill>
         </p:spPr>
+        <p:txBody>
+          <a:bodyPr/>
+          <a:lstStyle/>
+          <a:p>
+            <a:endParaRPr lang="en-US" dirty="0"/>
+          </a:p>
+        </p:txBody>
       </p:sp>
       <p:grpSp>
         <p:nvGrpSpPr>
@@ -3204,10 +3193,10 @@
         </p:nvGrpSpPr>
         <p:grpSpPr>
           <a:xfrm>
-            <a:off x="1028700" y="2528734"/>
-            <a:ext cx="10671354" cy="5882796"/>
-            <a:chOff x="0" y="0"/>
-            <a:chExt cx="14228471" cy="7843728"/>
+            <a:off x="1016977" y="3856866"/>
+            <a:ext cx="12001500" cy="3648834"/>
+            <a:chOff x="-15631" y="1770843"/>
+            <a:chExt cx="16001999" cy="4865112"/>
           </a:xfrm>
         </p:grpSpPr>
         <p:sp>
@@ -3218,15 +3207,15 @@
           </p:nvSpPr>
           <p:spPr>
             <a:xfrm>
-              <a:off x="0" y="190500"/>
-              <a:ext cx="14228471" cy="3779015"/>
+              <a:off x="-15631" y="1770843"/>
+              <a:ext cx="16001999" cy="1748771"/>
             </a:xfrm>
             <a:prstGeom prst="rect">
               <a:avLst/>
             </a:prstGeom>
           </p:spPr>
           <p:txBody>
-            <a:bodyPr lIns="0" tIns="0" rIns="0" bIns="0" rtlCol="0" anchor="t">
+            <a:bodyPr wrap="square" lIns="0" tIns="0" rIns="0" bIns="0" rtlCol="0" anchor="t">
               <a:spAutoFit/>
             </a:bodyPr>
             <a:lstStyle/>
@@ -3237,11 +3226,11 @@
                 </a:lnSpc>
               </a:pPr>
               <a:r>
-                <a:rPr lang="en-US" sz="10710" b="1">
+                <a:rPr lang="en-US" sz="8800" b="1" dirty="0">
                   <a:solidFill>
                     <a:srgbClr val="000000"/>
                   </a:solidFill>
-                  <a:latin typeface="Play Bold"/>
+                  <a:latin typeface="Product Sans" panose="020B0403030502040203" pitchFamily="34" charset="0"/>
                   <a:ea typeface="Play Bold"/>
                   <a:cs typeface="Play Bold"/>
                   <a:sym typeface="Play Bold"/>
@@ -3259,8 +3248,8 @@
           </p:nvSpPr>
           <p:spPr>
             <a:xfrm>
-              <a:off x="0" y="4191399"/>
-              <a:ext cx="13054650" cy="3652330"/>
+              <a:off x="0" y="3691559"/>
+              <a:ext cx="13054650" cy="2944396"/>
             </a:xfrm>
             <a:prstGeom prst="rect">
               <a:avLst/>
@@ -3281,16 +3270,16 @@
                 </a:spcBef>
               </a:pPr>
               <a:r>
-                <a:rPr lang="en-US" sz="3155" b="1">
+                <a:rPr lang="en-US" sz="3155" b="1" dirty="0">
                   <a:solidFill>
                     <a:srgbClr val="000000"/>
                   </a:solidFill>
-                  <a:latin typeface="Play Bold"/>
+                  <a:latin typeface="Product Sans" panose="020B0403030502040203" pitchFamily="34" charset="0"/>
                   <a:ea typeface="Play Bold"/>
                   <a:cs typeface="Play Bold"/>
                   <a:sym typeface="Play Bold"/>
                 </a:rPr>
-                <a:t>Computer Vision – Assignment 1</a:t>
+                <a:t>Computer Vision - Assignment 1</a:t>
               </a:r>
             </a:p>
             <a:p>
@@ -3303,16 +3292,16 @@
                 </a:spcBef>
               </a:pPr>
               <a:r>
-                <a:rPr lang="en-US" sz="3155" b="1">
+                <a:rPr lang="en-US" sz="3155" b="1" dirty="0">
                   <a:solidFill>
                     <a:srgbClr val="000000"/>
                   </a:solidFill>
-                  <a:latin typeface="Play Bold"/>
+                  <a:latin typeface="Product Sans" panose="020B0403030502040203" pitchFamily="34" charset="0"/>
                   <a:ea typeface="Play Bold"/>
                   <a:cs typeface="Play Bold"/>
                   <a:sym typeface="Play Bold"/>
                 </a:rPr>
-                <a:t>Group 3 :</a:t>
+                <a:t>Group 3:</a:t>
               </a:r>
             </a:p>
             <a:p>
@@ -3325,16 +3314,16 @@
                 </a:spcBef>
               </a:pPr>
               <a:r>
-                <a:rPr lang="en-US" sz="3155">
+                <a:rPr lang="en-US" sz="3155" dirty="0">
                   <a:solidFill>
                     <a:srgbClr val="000000"/>
                   </a:solidFill>
-                  <a:latin typeface="Play"/>
+                  <a:latin typeface="Product Sans" panose="020B0403030502040203" pitchFamily="34" charset="0"/>
                   <a:ea typeface="Play"/>
                   <a:cs typeface="Play"/>
                   <a:sym typeface="Play"/>
                 </a:rPr>
-                <a:t>Abdelrahman Mohamed &amp; Ahmed Hassan</a:t>
+                <a:t>Abdelrahman Mohamed (12500270)</a:t>
               </a:r>
             </a:p>
             <a:p>
@@ -3347,16 +3336,16 @@
                 </a:spcBef>
               </a:pPr>
               <a:r>
-                <a:rPr lang="en-US" sz="3155">
+                <a:rPr lang="en-US" sz="3155" dirty="0">
                   <a:solidFill>
                     <a:srgbClr val="000000"/>
                   </a:solidFill>
-                  <a:latin typeface="Play"/>
+                  <a:latin typeface="Product Sans" panose="020B0403030502040203" pitchFamily="34" charset="0"/>
                   <a:ea typeface="Play"/>
                   <a:cs typeface="Play"/>
                   <a:sym typeface="Play"/>
                 </a:rPr>
-                <a:t>Deggendorf Institute of Technology – Summer Semester 2025</a:t>
+                <a:t>Ahmed Hassan (22404506)</a:t>
               </a:r>
             </a:p>
           </p:txBody>
@@ -3389,304 +3378,14 @@
       </p:grpSpPr>
       <p:grpSp>
         <p:nvGrpSpPr>
-          <p:cNvPr id="2" name="Group 2"/>
-          <p:cNvGrpSpPr/>
-          <p:nvPr/>
-        </p:nvGrpSpPr>
-        <p:grpSpPr>
-          <a:xfrm>
-            <a:off x="7717976" y="104775"/>
-            <a:ext cx="9323039" cy="7685145"/>
-            <a:chOff x="0" y="0"/>
-            <a:chExt cx="12430718" cy="10246860"/>
-          </a:xfrm>
-        </p:grpSpPr>
-        <p:sp>
-          <p:nvSpPr>
-            <p:cNvPr id="3" name="TextBox 3"/>
-            <p:cNvSpPr txBox="1"/>
-            <p:nvPr/>
-          </p:nvSpPr>
-          <p:spPr>
-            <a:xfrm>
-              <a:off x="0" y="-9525"/>
-              <a:ext cx="12430718" cy="657225"/>
-            </a:xfrm>
-            <a:prstGeom prst="rect">
-              <a:avLst/>
-            </a:prstGeom>
-          </p:spPr>
-          <p:txBody>
-            <a:bodyPr lIns="0" tIns="0" rIns="0" bIns="0" rtlCol="0" anchor="t">
-              <a:spAutoFit/>
-            </a:bodyPr>
-            <a:lstStyle/>
-            <a:p>
-              <a:pPr marL="0" lvl="0" indent="0" algn="l">
-                <a:lnSpc>
-                  <a:spcPts val="3840"/>
-                </a:lnSpc>
-              </a:pPr>
-              <a:r>
-                <a:rPr lang="en-US" sz="3200" b="1">
-                  <a:solidFill>
-                    <a:srgbClr val="000000"/>
-                  </a:solidFill>
-                  <a:latin typeface="Play Bold"/>
-                  <a:ea typeface="Play Bold"/>
-                  <a:cs typeface="Play Bold"/>
-                  <a:sym typeface="Play Bold"/>
-                </a:rPr>
-                <a:t>RGB vs HSV Color Spaces</a:t>
-              </a:r>
-            </a:p>
-          </p:txBody>
-        </p:sp>
-        <p:sp>
-          <p:nvSpPr>
-            <p:cNvPr id="4" name="TextBox 4"/>
-            <p:cNvSpPr txBox="1"/>
-            <p:nvPr/>
-          </p:nvSpPr>
-          <p:spPr>
-            <a:xfrm>
-              <a:off x="0" y="1259551"/>
-              <a:ext cx="12430718" cy="1074208"/>
-            </a:xfrm>
-            <a:prstGeom prst="rect">
-              <a:avLst/>
-            </a:prstGeom>
-          </p:spPr>
-          <p:txBody>
-            <a:bodyPr lIns="0" tIns="0" rIns="0" bIns="0" rtlCol="0" anchor="t">
-              <a:spAutoFit/>
-            </a:bodyPr>
-            <a:lstStyle/>
-            <a:p>
-              <a:pPr marL="0" lvl="0" indent="0" algn="l">
-                <a:lnSpc>
-                  <a:spcPts val="6500"/>
-                </a:lnSpc>
-              </a:pPr>
-              <a:r>
-                <a:rPr lang="en-US" sz="5000">
-                  <a:solidFill>
-                    <a:srgbClr val="000000"/>
-                  </a:solidFill>
-                  <a:latin typeface="Play"/>
-                  <a:ea typeface="Play"/>
-                  <a:cs typeface="Play"/>
-                  <a:sym typeface="Play"/>
-                </a:rPr>
-                <a:t>Why HSV instead of RGB?</a:t>
-              </a:r>
-            </a:p>
-          </p:txBody>
-        </p:sp>
-        <p:sp>
-          <p:nvSpPr>
-            <p:cNvPr id="5" name="TextBox 5"/>
-            <p:cNvSpPr txBox="1"/>
-            <p:nvPr/>
-          </p:nvSpPr>
-          <p:spPr>
-            <a:xfrm>
-              <a:off x="0" y="3277947"/>
-              <a:ext cx="12430718" cy="6968913"/>
-            </a:xfrm>
-            <a:prstGeom prst="rect">
-              <a:avLst/>
-            </a:prstGeom>
-          </p:spPr>
-          <p:txBody>
-            <a:bodyPr lIns="0" tIns="0" rIns="0" bIns="0" rtlCol="0" anchor="t">
-              <a:spAutoFit/>
-            </a:bodyPr>
-            <a:lstStyle/>
-            <a:p>
-              <a:pPr marL="690881" lvl="1" indent="-345440" algn="l">
-                <a:lnSpc>
-                  <a:spcPts val="4160"/>
-                </a:lnSpc>
-                <a:buFont typeface="Arial"/>
-                <a:buChar char="•"/>
-              </a:pPr>
-              <a:r>
-                <a:rPr lang="en-US" sz="3200" b="1">
-                  <a:solidFill>
-                    <a:srgbClr val="000000"/>
-                  </a:solidFill>
-                  <a:latin typeface="Play Bold"/>
-                  <a:ea typeface="Play Bold"/>
-                  <a:cs typeface="Play Bold"/>
-                  <a:sym typeface="Play Bold"/>
-                </a:rPr>
-                <a:t>RGB (Red, Green, Blue):</a:t>
-              </a:r>
-            </a:p>
-            <a:p>
-              <a:pPr marL="1381761" lvl="2" indent="-460587" algn="l">
-                <a:lnSpc>
-                  <a:spcPts val="4160"/>
-                </a:lnSpc>
-                <a:buFont typeface="Arial"/>
-                <a:buChar char="⚬"/>
-              </a:pPr>
-              <a:r>
-                <a:rPr lang="en-US" sz="3200">
-                  <a:solidFill>
-                    <a:srgbClr val="000000"/>
-                  </a:solidFill>
-                  <a:latin typeface="Play"/>
-                  <a:ea typeface="Play"/>
-                  <a:cs typeface="Play"/>
-                  <a:sym typeface="Play"/>
-                </a:rPr>
-                <a:t>Additive color model used by screens and cameras.</a:t>
-              </a:r>
-            </a:p>
-            <a:p>
-              <a:pPr marL="1381761" lvl="2" indent="-460587" algn="l">
-                <a:lnSpc>
-                  <a:spcPts val="4160"/>
-                </a:lnSpc>
-                <a:buFont typeface="Arial"/>
-                <a:buChar char="⚬"/>
-              </a:pPr>
-              <a:r>
-                <a:rPr lang="en-US" sz="3200">
-                  <a:solidFill>
-                    <a:srgbClr val="000000"/>
-                  </a:solidFill>
-                  <a:latin typeface="Play"/>
-                  <a:ea typeface="Play"/>
-                  <a:cs typeface="Play"/>
-                  <a:sym typeface="Play"/>
-                </a:rPr>
-                <a:t>Represents colors by mixing intensities of red, green, and blue channels.</a:t>
-              </a:r>
-            </a:p>
-            <a:p>
-              <a:pPr marL="690881" lvl="1" indent="-345440" algn="l">
-                <a:lnSpc>
-                  <a:spcPts val="4160"/>
-                </a:lnSpc>
-                <a:buFont typeface="Arial"/>
-                <a:buChar char="•"/>
-              </a:pPr>
-              <a:r>
-                <a:rPr lang="en-US" sz="3200" b="1">
-                  <a:solidFill>
-                    <a:srgbClr val="000000"/>
-                  </a:solidFill>
-                  <a:latin typeface="Play Bold"/>
-                  <a:ea typeface="Play Bold"/>
-                  <a:cs typeface="Play Bold"/>
-                  <a:sym typeface="Play Bold"/>
-                </a:rPr>
-                <a:t>HSV (Hue, Saturation, Value):</a:t>
-              </a:r>
-            </a:p>
-            <a:p>
-              <a:pPr marL="1381761" lvl="2" indent="-460587" algn="l">
-                <a:lnSpc>
-                  <a:spcPts val="4160"/>
-                </a:lnSpc>
-                <a:buFont typeface="Arial"/>
-                <a:buChar char="⚬"/>
-              </a:pPr>
-              <a:r>
-                <a:rPr lang="en-US" sz="3200">
-                  <a:solidFill>
-                    <a:srgbClr val="000000"/>
-                  </a:solidFill>
-                  <a:latin typeface="Play"/>
-                  <a:ea typeface="Play"/>
-                  <a:cs typeface="Play"/>
-                  <a:sym typeface="Play"/>
-                </a:rPr>
-                <a:t> Hue: The color type (0–360°).</a:t>
-              </a:r>
-            </a:p>
-            <a:p>
-              <a:pPr marL="1381761" lvl="2" indent="-460587" algn="l">
-                <a:lnSpc>
-                  <a:spcPts val="4160"/>
-                </a:lnSpc>
-                <a:buFont typeface="Arial"/>
-                <a:buChar char="⚬"/>
-              </a:pPr>
-              <a:r>
-                <a:rPr lang="en-US" sz="3200">
-                  <a:solidFill>
-                    <a:srgbClr val="000000"/>
-                  </a:solidFill>
-                  <a:latin typeface="Play"/>
-                  <a:ea typeface="Play"/>
-                  <a:cs typeface="Play"/>
-                  <a:sym typeface="Play"/>
-                </a:rPr>
-                <a:t> Saturation: Color purity or intensity (0–100%).</a:t>
-              </a:r>
-            </a:p>
-            <a:p>
-              <a:pPr marL="1381761" lvl="2" indent="-460587" algn="l">
-                <a:lnSpc>
-                  <a:spcPts val="4160"/>
-                </a:lnSpc>
-                <a:buFont typeface="Arial"/>
-                <a:buChar char="⚬"/>
-              </a:pPr>
-              <a:r>
-                <a:rPr lang="en-US" sz="3200">
-                  <a:solidFill>
-                    <a:srgbClr val="000000"/>
-                  </a:solidFill>
-                  <a:latin typeface="Play"/>
-                  <a:ea typeface="Play"/>
-                  <a:cs typeface="Play"/>
-                  <a:sym typeface="Play"/>
-                </a:rPr>
-                <a:t>Value: Brightness (0–100%).</a:t>
-              </a:r>
-            </a:p>
-          </p:txBody>
-        </p:sp>
-        <p:sp>
-          <p:nvSpPr>
-            <p:cNvPr id="6" name="AutoShape 6"/>
-            <p:cNvSpPr/>
-            <p:nvPr/>
-          </p:nvSpPr>
-          <p:spPr>
-            <a:xfrm>
-              <a:off x="0" y="2780250"/>
-              <a:ext cx="12430718" cy="0"/>
-            </a:xfrm>
-            <a:prstGeom prst="line">
-              <a:avLst/>
-            </a:prstGeom>
-            <a:ln w="12700" cap="rnd">
-              <a:solidFill>
-                <a:srgbClr val="2E70E7"/>
-              </a:solidFill>
-              <a:prstDash val="solid"/>
-              <a:headEnd type="none" w="sm" len="sm"/>
-              <a:tailEnd type="none" w="sm" len="sm"/>
-            </a:ln>
-          </p:spPr>
-        </p:sp>
-      </p:grpSp>
-      <p:grpSp>
-        <p:nvGrpSpPr>
           <p:cNvPr id="7" name="Group 7"/>
           <p:cNvGrpSpPr/>
           <p:nvPr/>
         </p:nvGrpSpPr>
         <p:grpSpPr>
           <a:xfrm>
-            <a:off x="-19050" y="0"/>
-            <a:ext cx="7154292" cy="10287000"/>
+            <a:off x="10591800" y="2400300"/>
+            <a:ext cx="7154292" cy="5041005"/>
             <a:chOff x="0" y="0"/>
             <a:chExt cx="823640" cy="1184294"/>
           </a:xfrm>
@@ -3733,6 +3432,13 @@
               </a:stretch>
             </a:blipFill>
           </p:spPr>
+          <p:txBody>
+            <a:bodyPr/>
+            <a:lstStyle/>
+            <a:p>
+              <a:endParaRPr lang="en-US"/>
+            </a:p>
+          </p:txBody>
         </p:sp>
       </p:grpSp>
       <p:sp>
@@ -3744,7 +3450,7 @@
         <p:spPr>
           <a:xfrm>
             <a:off x="17259300" y="9210675"/>
-            <a:ext cx="152400" cy="200025"/>
+            <a:ext cx="387927" cy="335541"/>
           </a:xfrm>
           <a:prstGeom prst="rect">
             <a:avLst/>
@@ -3765,7 +3471,7 @@
               </a:spcBef>
             </a:pPr>
             <a:r>
-              <a:rPr lang="en-US" sz="2000">
+              <a:rPr lang="en-US" sz="2000" dirty="0">
                 <a:solidFill>
                   <a:srgbClr val="000000"/>
                 </a:solidFill>
@@ -3774,99 +3480,336 @@
                 <a:cs typeface="Canva Sans"/>
                 <a:sym typeface="Canva Sans"/>
               </a:rPr>
-              <a:t>2</a:t>
-            </a:r>
-          </a:p>
-        </p:txBody>
-      </p:sp>
-      <p:sp>
-        <p:nvSpPr>
-          <p:cNvPr id="10" name="TextBox 10"/>
-          <p:cNvSpPr txBox="1"/>
+              <a:t>1/5</a:t>
+            </a:r>
+          </a:p>
+        </p:txBody>
+      </p:sp>
+      <p:grpSp>
+        <p:nvGrpSpPr>
+          <p:cNvPr id="11" name="Group 2"/>
+          <p:cNvGrpSpPr/>
           <p:nvPr/>
-        </p:nvSpPr>
-        <p:spPr>
-          <a:xfrm>
-            <a:off x="7717976" y="7849870"/>
-            <a:ext cx="9323039" cy="1710055"/>
-          </a:xfrm>
-          <a:prstGeom prst="rect">
-            <a:avLst/>
-          </a:prstGeom>
-        </p:spPr>
-        <p:txBody>
-          <a:bodyPr lIns="0" tIns="0" rIns="0" bIns="0" rtlCol="0" anchor="t">
-            <a:spAutoFit/>
-          </a:bodyPr>
-          <a:lstStyle/>
-          <a:p>
-            <a:pPr algn="just">
-              <a:lnSpc>
-                <a:spcPts val="3380"/>
-              </a:lnSpc>
-              <a:spcBef>
-                <a:spcPct val="0"/>
-              </a:spcBef>
-            </a:pPr>
-            <a:r>
-              <a:rPr lang="en-US" sz="2600">
+        </p:nvGrpSpPr>
+        <p:grpSpPr>
+          <a:xfrm>
+            <a:off x="518462" y="876300"/>
+            <a:ext cx="9323040" cy="8445790"/>
+            <a:chOff x="-1" y="1259551"/>
+            <a:chExt cx="12430719" cy="11261053"/>
+          </a:xfrm>
+        </p:grpSpPr>
+        <p:sp>
+          <p:nvSpPr>
+            <p:cNvPr id="12" name="TextBox 4"/>
+            <p:cNvSpPr txBox="1"/>
+            <p:nvPr/>
+          </p:nvSpPr>
+          <p:spPr>
+            <a:xfrm>
+              <a:off x="0" y="1259551"/>
+              <a:ext cx="12430718" cy="1074208"/>
+            </a:xfrm>
+            <a:prstGeom prst="rect">
+              <a:avLst/>
+            </a:prstGeom>
+          </p:spPr>
+          <p:txBody>
+            <a:bodyPr lIns="0" tIns="0" rIns="0" bIns="0" rtlCol="0" anchor="t">
+              <a:spAutoFit/>
+            </a:bodyPr>
+            <a:lstStyle/>
+            <a:p>
+              <a:pPr marL="0" lvl="0" indent="0" algn="l">
+                <a:lnSpc>
+                  <a:spcPts val="6500"/>
+                </a:lnSpc>
+              </a:pPr>
+              <a:r>
+                <a:rPr lang="en-US" sz="5000" b="1" dirty="0">
+                  <a:solidFill>
+                    <a:srgbClr val="000000"/>
+                  </a:solidFill>
+                  <a:latin typeface="Product Sans" panose="020B0403030502040203" pitchFamily="34" charset="0"/>
+                  <a:ea typeface="Play"/>
+                  <a:cs typeface="Play"/>
+                  <a:sym typeface="Play"/>
+                </a:rPr>
+                <a:t>Why HSV instead of RGB?</a:t>
+              </a:r>
+            </a:p>
+          </p:txBody>
+        </p:sp>
+        <p:sp>
+          <p:nvSpPr>
+            <p:cNvPr id="13" name="TextBox 5"/>
+            <p:cNvSpPr txBox="1"/>
+            <p:nvPr/>
+          </p:nvSpPr>
+          <p:spPr>
+            <a:xfrm>
+              <a:off x="-1" y="3236011"/>
+              <a:ext cx="12430718" cy="9284593"/>
+            </a:xfrm>
+            <a:prstGeom prst="rect">
+              <a:avLst/>
+            </a:prstGeom>
+          </p:spPr>
+          <p:txBody>
+            <a:bodyPr lIns="0" tIns="0" rIns="0" bIns="0" rtlCol="0" anchor="t">
+              <a:spAutoFit/>
+            </a:bodyPr>
+            <a:lstStyle/>
+            <a:p>
+              <a:pPr marL="690881" lvl="1" indent="-345440" algn="just">
+                <a:lnSpc>
+                  <a:spcPts val="4160"/>
+                </a:lnSpc>
+                <a:buFont typeface="Arial"/>
+                <a:buChar char="•"/>
+              </a:pPr>
+              <a:r>
+                <a:rPr lang="en-US" sz="3000" b="1" dirty="0">
+                  <a:solidFill>
+                    <a:srgbClr val="000000"/>
+                  </a:solidFill>
+                  <a:latin typeface="Roboto" panose="02000000000000000000" pitchFamily="2" charset="0"/>
+                  <a:ea typeface="Roboto" panose="02000000000000000000" pitchFamily="2" charset="0"/>
+                  <a:cs typeface="Play Bold"/>
+                  <a:sym typeface="Play Bold"/>
+                </a:rPr>
+                <a:t>RGB (Red, Green, Blue):</a:t>
+              </a:r>
+            </a:p>
+            <a:p>
+              <a:pPr marL="1381761" lvl="2" indent="-460587" algn="just">
+                <a:lnSpc>
+                  <a:spcPts val="4160"/>
+                </a:lnSpc>
+                <a:buFont typeface="Arial"/>
+                <a:buChar char="⚬"/>
+              </a:pPr>
+              <a:r>
+                <a:rPr lang="en-US" sz="3000" dirty="0">
+                  <a:solidFill>
+                    <a:srgbClr val="000000"/>
+                  </a:solidFill>
+                  <a:latin typeface="Roboto" panose="02000000000000000000" pitchFamily="2" charset="0"/>
+                  <a:ea typeface="Roboto" panose="02000000000000000000" pitchFamily="2" charset="0"/>
+                  <a:cs typeface="Play"/>
+                  <a:sym typeface="Play"/>
+                </a:rPr>
+                <a:t>Additive color model used by screens and cameras.</a:t>
+              </a:r>
+            </a:p>
+            <a:p>
+              <a:pPr marL="1381761" lvl="2" indent="-460587" algn="just">
+                <a:lnSpc>
+                  <a:spcPts val="4160"/>
+                </a:lnSpc>
+                <a:buFont typeface="Arial"/>
+                <a:buChar char="⚬"/>
+              </a:pPr>
+              <a:r>
+                <a:rPr lang="en-US" sz="3000" dirty="0">
+                  <a:solidFill>
+                    <a:srgbClr val="000000"/>
+                  </a:solidFill>
+                  <a:latin typeface="Roboto" panose="02000000000000000000" pitchFamily="2" charset="0"/>
+                  <a:ea typeface="Roboto" panose="02000000000000000000" pitchFamily="2" charset="0"/>
+                  <a:cs typeface="Play"/>
+                  <a:sym typeface="Play"/>
+                </a:rPr>
+                <a:t>Represents colors by mixing intensities of red, green, and blue channels.</a:t>
+              </a:r>
+            </a:p>
+            <a:p>
+              <a:pPr marL="690881" lvl="1" indent="-345440" algn="just">
+                <a:lnSpc>
+                  <a:spcPts val="4160"/>
+                </a:lnSpc>
+                <a:buFont typeface="Arial"/>
+                <a:buChar char="•"/>
+              </a:pPr>
+              <a:r>
+                <a:rPr lang="en-US" sz="3000" b="1" dirty="0">
+                  <a:solidFill>
+                    <a:srgbClr val="000000"/>
+                  </a:solidFill>
+                  <a:latin typeface="Roboto" panose="02000000000000000000" pitchFamily="2" charset="0"/>
+                  <a:ea typeface="Roboto" panose="02000000000000000000" pitchFamily="2" charset="0"/>
+                  <a:cs typeface="Play Bold"/>
+                  <a:sym typeface="Play Bold"/>
+                </a:rPr>
+                <a:t>HSV (Hue, Saturation, Value):</a:t>
+              </a:r>
+            </a:p>
+            <a:p>
+              <a:pPr marL="1381761" lvl="2" indent="-460587" algn="just">
+                <a:lnSpc>
+                  <a:spcPts val="4160"/>
+                </a:lnSpc>
+                <a:buFont typeface="Arial"/>
+                <a:buChar char="⚬"/>
+              </a:pPr>
+              <a:r>
+                <a:rPr lang="en-US" sz="3000" dirty="0">
+                  <a:solidFill>
+                    <a:srgbClr val="000000"/>
+                  </a:solidFill>
+                  <a:latin typeface="Roboto" panose="02000000000000000000" pitchFamily="2" charset="0"/>
+                  <a:ea typeface="Roboto" panose="02000000000000000000" pitchFamily="2" charset="0"/>
+                  <a:cs typeface="Play"/>
+                  <a:sym typeface="Play"/>
+                </a:rPr>
+                <a:t>Hue: The color type (0–360°).</a:t>
+              </a:r>
+            </a:p>
+            <a:p>
+              <a:pPr marL="1381761" lvl="2" indent="-460587" algn="just">
+                <a:lnSpc>
+                  <a:spcPts val="4160"/>
+                </a:lnSpc>
+                <a:buFont typeface="Arial"/>
+                <a:buChar char="⚬"/>
+              </a:pPr>
+              <a:r>
+                <a:rPr lang="en-US" sz="3000" dirty="0">
+                  <a:solidFill>
+                    <a:srgbClr val="000000"/>
+                  </a:solidFill>
+                  <a:latin typeface="Roboto" panose="02000000000000000000" pitchFamily="2" charset="0"/>
+                  <a:ea typeface="Roboto" panose="02000000000000000000" pitchFamily="2" charset="0"/>
+                  <a:cs typeface="Play"/>
+                  <a:sym typeface="Play"/>
+                </a:rPr>
+                <a:t> Saturation: Color purity or intensity (0–100%).</a:t>
+              </a:r>
+            </a:p>
+            <a:p>
+              <a:pPr marL="1381761" lvl="2" indent="-460587" algn="just">
+                <a:lnSpc>
+                  <a:spcPts val="4160"/>
+                </a:lnSpc>
+                <a:buFont typeface="Arial"/>
+                <a:buChar char="⚬"/>
+              </a:pPr>
+              <a:r>
+                <a:rPr lang="en-US" sz="3000" dirty="0">
+                  <a:solidFill>
+                    <a:srgbClr val="000000"/>
+                  </a:solidFill>
+                  <a:latin typeface="Roboto" panose="02000000000000000000" pitchFamily="2" charset="0"/>
+                  <a:ea typeface="Roboto" panose="02000000000000000000" pitchFamily="2" charset="0"/>
+                  <a:cs typeface="Play"/>
+                  <a:sym typeface="Play"/>
+                </a:rPr>
+                <a:t>Value: Brightness (0–100%).</a:t>
+              </a:r>
+              <a:endParaRPr lang="en-US" sz="3000" b="1" dirty="0">
                 <a:solidFill>
                   <a:srgbClr val="000000"/>
                 </a:solidFill>
-                <a:latin typeface="Play"/>
-                <a:ea typeface="Play"/>
+                <a:latin typeface="Roboto" panose="02000000000000000000" pitchFamily="2" charset="0"/>
+                <a:ea typeface="Roboto" panose="02000000000000000000" pitchFamily="2" charset="0"/>
+                <a:cs typeface="Play Bold"/>
+                <a:sym typeface="Play Bold"/>
+              </a:endParaRPr>
+            </a:p>
+            <a:p>
+              <a:pPr marL="690881" lvl="1" indent="-345440" algn="just">
+                <a:lnSpc>
+                  <a:spcPts val="4160"/>
+                </a:lnSpc>
+                <a:buFont typeface="Arial"/>
+                <a:buChar char="•"/>
+              </a:pPr>
+              <a:r>
+                <a:rPr lang="en-US" sz="3000" dirty="0">
+                  <a:solidFill>
+                    <a:srgbClr val="000000"/>
+                  </a:solidFill>
+                  <a:latin typeface="Roboto" panose="02000000000000000000" pitchFamily="2" charset="0"/>
+                  <a:ea typeface="Roboto" panose="02000000000000000000" pitchFamily="2" charset="0"/>
+                  <a:cs typeface="Play"/>
+                  <a:sym typeface="Play"/>
+                </a:rPr>
+                <a:t>HSV better matches human color perception.</a:t>
+              </a:r>
+            </a:p>
+            <a:p>
+              <a:pPr marL="690881" lvl="1" indent="-345440" algn="just">
+                <a:lnSpc>
+                  <a:spcPts val="4160"/>
+                </a:lnSpc>
+                <a:buFont typeface="Arial"/>
+                <a:buChar char="•"/>
+              </a:pPr>
+              <a:r>
+                <a:rPr lang="en-US" sz="3000" dirty="0">
+                  <a:solidFill>
+                    <a:srgbClr val="000000"/>
+                  </a:solidFill>
+                  <a:latin typeface="Roboto" panose="02000000000000000000" pitchFamily="2" charset="0"/>
+                  <a:ea typeface="Roboto" panose="02000000000000000000" pitchFamily="2" charset="0"/>
+                  <a:cs typeface="Play"/>
+                  <a:sym typeface="Play"/>
+                </a:rPr>
+                <a:t>Easier to adjust colors meaningfully (e.g., change brightness without changing the color).</a:t>
+              </a:r>
+            </a:p>
+            <a:p>
+              <a:pPr marL="1381761" lvl="2" indent="-460587" algn="just">
+                <a:lnSpc>
+                  <a:spcPts val="4160"/>
+                </a:lnSpc>
+                <a:buFont typeface="Arial"/>
+                <a:buChar char="⚬"/>
+              </a:pPr>
+              <a:endParaRPr lang="en-US" sz="3000" dirty="0">
+                <a:solidFill>
+                  <a:srgbClr val="000000"/>
+                </a:solidFill>
+                <a:latin typeface="Roboto" panose="02000000000000000000" pitchFamily="2" charset="0"/>
+                <a:ea typeface="Roboto" panose="02000000000000000000" pitchFamily="2" charset="0"/>
                 <a:cs typeface="Play"/>
                 <a:sym typeface="Play"/>
-              </a:rPr>
-              <a:t>Why HSV instead of RGB?</a:t>
-            </a:r>
-          </a:p>
-          <a:p>
-            <a:pPr algn="just">
-              <a:lnSpc>
-                <a:spcPts val="3380"/>
-              </a:lnSpc>
-              <a:spcBef>
-                <a:spcPct val="0"/>
-              </a:spcBef>
-            </a:pPr>
-            <a:r>
-              <a:rPr lang="en-US" sz="2600">
-                <a:solidFill>
-                  <a:srgbClr val="000000"/>
-                </a:solidFill>
-                <a:latin typeface="Play"/>
-                <a:ea typeface="Play"/>
-                <a:cs typeface="Play"/>
-                <a:sym typeface="Play"/>
-              </a:rPr>
-              <a:t> • HSV better matches human color perception.</a:t>
-            </a:r>
-          </a:p>
-          <a:p>
-            <a:pPr algn="just">
-              <a:lnSpc>
-                <a:spcPts val="3380"/>
-              </a:lnSpc>
-              <a:spcBef>
-                <a:spcPct val="0"/>
-              </a:spcBef>
-            </a:pPr>
-            <a:r>
-              <a:rPr lang="en-US" sz="2600">
-                <a:solidFill>
-                  <a:srgbClr val="000000"/>
-                </a:solidFill>
-                <a:latin typeface="Play"/>
-                <a:ea typeface="Play"/>
-                <a:cs typeface="Play"/>
-                <a:sym typeface="Play"/>
-              </a:rPr>
-              <a:t> • Easier to adjust colors meaningfully (e.g., change brightness without changing the color).</a:t>
-            </a:r>
-          </a:p>
-        </p:txBody>
-      </p:sp>
+              </a:endParaRPr>
+            </a:p>
+          </p:txBody>
+        </p:sp>
+        <p:sp>
+          <p:nvSpPr>
+            <p:cNvPr id="14" name="AutoShape 6"/>
+            <p:cNvSpPr/>
+            <p:nvPr/>
+          </p:nvSpPr>
+          <p:spPr>
+            <a:xfrm>
+              <a:off x="-1" y="2580351"/>
+              <a:ext cx="12430718" cy="0"/>
+            </a:xfrm>
+            <a:prstGeom prst="line">
+              <a:avLst/>
+            </a:prstGeom>
+            <a:ln w="28575" cap="rnd">
+              <a:solidFill>
+                <a:srgbClr val="2E70E7"/>
+              </a:solidFill>
+              <a:prstDash val="solid"/>
+              <a:headEnd type="none" w="sm" len="sm"/>
+              <a:tailEnd type="none" w="sm" len="sm"/>
+            </a:ln>
+          </p:spPr>
+          <p:txBody>
+            <a:bodyPr/>
+            <a:lstStyle/>
+            <a:p>
+              <a:endParaRPr lang="en-US" dirty="0"/>
+            </a:p>
+          </p:txBody>
+        </p:sp>
+      </p:grpSp>
     </p:spTree>
   </p:cSld>
   <p:clrMapOvr>
@@ -3894,14 +3837,426 @@
       </p:grpSpPr>
       <p:sp>
         <p:nvSpPr>
+          <p:cNvPr id="5" name="TextBox 5"/>
+          <p:cNvSpPr txBox="1"/>
+          <p:nvPr/>
+        </p:nvSpPr>
+        <p:spPr>
+          <a:xfrm>
+            <a:off x="652737" y="3238500"/>
+            <a:ext cx="7676927" cy="2077492"/>
+          </a:xfrm>
+          <a:prstGeom prst="rect">
+            <a:avLst/>
+          </a:prstGeom>
+        </p:spPr>
+        <p:txBody>
+          <a:bodyPr lIns="0" tIns="0" rIns="0" bIns="0" rtlCol="0" anchor="t">
+            <a:spAutoFit/>
+          </a:bodyPr>
+          <a:lstStyle/>
+          <a:p>
+            <a:pPr marL="0" lvl="0" indent="0" algn="l">
+              <a:lnSpc>
+                <a:spcPts val="8084"/>
+              </a:lnSpc>
+            </a:pPr>
+            <a:r>
+              <a:rPr lang="en-US" sz="7000" b="1" dirty="0">
+                <a:solidFill>
+                  <a:srgbClr val="000000"/>
+                </a:solidFill>
+                <a:latin typeface="Product Sans" panose="020B0403030502040203" pitchFamily="34" charset="0"/>
+                <a:ea typeface="Play Bold"/>
+                <a:cs typeface="Play Bold"/>
+                <a:sym typeface="Play Bold"/>
+              </a:rPr>
+              <a:t>Technical Background</a:t>
+            </a:r>
+          </a:p>
+        </p:txBody>
+      </p:sp>
+      <p:sp>
+        <p:nvSpPr>
+          <p:cNvPr id="6" name="TextBox 6"/>
+          <p:cNvSpPr txBox="1"/>
+          <p:nvPr/>
+        </p:nvSpPr>
+        <p:spPr>
+          <a:xfrm>
+            <a:off x="7620000" y="562868"/>
+            <a:ext cx="9869160" cy="8771632"/>
+          </a:xfrm>
+          <a:prstGeom prst="rect">
+            <a:avLst/>
+          </a:prstGeom>
+        </p:spPr>
+        <p:txBody>
+          <a:bodyPr wrap="square" lIns="0" tIns="0" rIns="0" bIns="0" rtlCol="0" anchor="t">
+            <a:spAutoFit/>
+          </a:bodyPr>
+          <a:lstStyle/>
+          <a:p>
+            <a:pPr marL="498729" lvl="1" indent="-249365" algn="just">
+              <a:buFont typeface="Arial"/>
+              <a:buChar char="•"/>
+            </a:pPr>
+            <a:r>
+              <a:rPr lang="en-US" sz="3000" b="1" dirty="0">
+                <a:solidFill>
+                  <a:srgbClr val="000000"/>
+                </a:solidFill>
+                <a:latin typeface="Roboto" panose="02000000000000000000" pitchFamily="2" charset="0"/>
+                <a:ea typeface="Roboto" panose="02000000000000000000" pitchFamily="2" charset="0"/>
+                <a:cs typeface="Play Bold"/>
+                <a:sym typeface="Play Bold"/>
+              </a:rPr>
+              <a:t>RGB to HSV Conversion:</a:t>
+            </a:r>
+          </a:p>
+          <a:p>
+            <a:pPr marL="997458" lvl="2" indent="-332486" algn="just">
+              <a:buFont typeface="Arial"/>
+              <a:buChar char="⚬"/>
+            </a:pPr>
+            <a:r>
+              <a:rPr lang="en-US" sz="3000" dirty="0">
+                <a:solidFill>
+                  <a:srgbClr val="000000"/>
+                </a:solidFill>
+                <a:latin typeface="Roboto" panose="02000000000000000000" pitchFamily="2" charset="0"/>
+                <a:ea typeface="Roboto" panose="02000000000000000000" pitchFamily="2" charset="0"/>
+                <a:cs typeface="Play"/>
+                <a:sym typeface="Play"/>
+              </a:rPr>
+              <a:t>Done using OpenCV’s cv2.cvtColor() function.</a:t>
+            </a:r>
+          </a:p>
+          <a:p>
+            <a:pPr marL="997458" lvl="2" indent="-332486" algn="just">
+              <a:buFont typeface="Arial"/>
+              <a:buChar char="⚬"/>
+            </a:pPr>
+            <a:r>
+              <a:rPr lang="en-US" sz="3000" dirty="0">
+                <a:solidFill>
+                  <a:srgbClr val="000000"/>
+                </a:solidFill>
+                <a:latin typeface="Roboto" panose="02000000000000000000" pitchFamily="2" charset="0"/>
+                <a:ea typeface="Roboto" panose="02000000000000000000" pitchFamily="2" charset="0"/>
+                <a:cs typeface="Play"/>
+                <a:sym typeface="Play"/>
+              </a:rPr>
+              <a:t>Converts image into Hue, Saturation, Value channels.</a:t>
+            </a:r>
+          </a:p>
+          <a:p>
+            <a:pPr marL="664972" lvl="2" algn="just"/>
+            <a:endParaRPr lang="en-US" sz="3000" dirty="0">
+              <a:solidFill>
+                <a:srgbClr val="000000"/>
+              </a:solidFill>
+              <a:latin typeface="Roboto" panose="02000000000000000000" pitchFamily="2" charset="0"/>
+              <a:ea typeface="Roboto" panose="02000000000000000000" pitchFamily="2" charset="0"/>
+              <a:cs typeface="Play"/>
+              <a:sym typeface="Play"/>
+            </a:endParaRPr>
+          </a:p>
+          <a:p>
+            <a:pPr marL="498729" lvl="1" indent="-249365" algn="just">
+              <a:buFont typeface="Arial"/>
+              <a:buChar char="•"/>
+            </a:pPr>
+            <a:r>
+              <a:rPr lang="en-US" sz="3000" b="1" dirty="0">
+                <a:solidFill>
+                  <a:srgbClr val="000000"/>
+                </a:solidFill>
+                <a:latin typeface="Roboto" panose="02000000000000000000" pitchFamily="2" charset="0"/>
+                <a:ea typeface="Roboto" panose="02000000000000000000" pitchFamily="2" charset="0"/>
+                <a:cs typeface="Play Bold"/>
+                <a:sym typeface="Play Bold"/>
+              </a:rPr>
+              <a:t>Hue and Value Adjustment:</a:t>
+            </a:r>
+          </a:p>
+          <a:p>
+            <a:pPr marL="997458" lvl="2" indent="-332486" algn="just">
+              <a:buFont typeface="Arial"/>
+              <a:buChar char="⚬"/>
+            </a:pPr>
+            <a:r>
+              <a:rPr lang="en-US" sz="3000" dirty="0">
+                <a:solidFill>
+                  <a:srgbClr val="000000"/>
+                </a:solidFill>
+                <a:latin typeface="Roboto" panose="02000000000000000000" pitchFamily="2" charset="0"/>
+                <a:ea typeface="Roboto" panose="02000000000000000000" pitchFamily="2" charset="0"/>
+                <a:cs typeface="Play"/>
+                <a:sym typeface="Play"/>
+              </a:rPr>
+              <a:t>Hue shifted by a configurable angle (0–360°).</a:t>
+            </a:r>
+          </a:p>
+          <a:p>
+            <a:pPr marL="997458" lvl="2" indent="-332486" algn="just">
+              <a:buFont typeface="Arial"/>
+              <a:buChar char="⚬"/>
+            </a:pPr>
+            <a:r>
+              <a:rPr lang="en-US" sz="3000" dirty="0">
+                <a:solidFill>
+                  <a:srgbClr val="000000"/>
+                </a:solidFill>
+                <a:latin typeface="Roboto" panose="02000000000000000000" pitchFamily="2" charset="0"/>
+                <a:ea typeface="Roboto" panose="02000000000000000000" pitchFamily="2" charset="0"/>
+                <a:cs typeface="Play"/>
+                <a:sym typeface="Play"/>
+              </a:rPr>
+              <a:t>Value adjusted using gamma correction</a:t>
+            </a:r>
+            <a:br>
+              <a:rPr lang="en-US" sz="3000" dirty="0">
+                <a:solidFill>
+                  <a:srgbClr val="000000"/>
+                </a:solidFill>
+                <a:latin typeface="Roboto" panose="02000000000000000000" pitchFamily="2" charset="0"/>
+                <a:ea typeface="Roboto" panose="02000000000000000000" pitchFamily="2" charset="0"/>
+                <a:cs typeface="Play"/>
+                <a:sym typeface="Play"/>
+              </a:rPr>
+            </a:br>
+            <a:r>
+              <a:rPr lang="en-US" sz="3000" dirty="0">
+                <a:solidFill>
+                  <a:srgbClr val="000000"/>
+                </a:solidFill>
+                <a:latin typeface="Roboto" panose="02000000000000000000" pitchFamily="2" charset="0"/>
+                <a:ea typeface="Roboto" panose="02000000000000000000" pitchFamily="2" charset="0"/>
+                <a:cs typeface="Play"/>
+                <a:sym typeface="Play"/>
+              </a:rPr>
+              <a:t>(0.5–4.0x).</a:t>
+            </a:r>
+          </a:p>
+          <a:p>
+            <a:pPr marL="664972" lvl="2" algn="just"/>
+            <a:endParaRPr lang="en-US" sz="3000" dirty="0">
+              <a:solidFill>
+                <a:srgbClr val="000000"/>
+              </a:solidFill>
+              <a:latin typeface="Roboto" panose="02000000000000000000" pitchFamily="2" charset="0"/>
+              <a:ea typeface="Roboto" panose="02000000000000000000" pitchFamily="2" charset="0"/>
+              <a:cs typeface="Play"/>
+              <a:sym typeface="Play"/>
+            </a:endParaRPr>
+          </a:p>
+          <a:p>
+            <a:pPr marL="498729" lvl="1" indent="-249365" algn="just">
+              <a:buFont typeface="Arial"/>
+              <a:buChar char="•"/>
+            </a:pPr>
+            <a:r>
+              <a:rPr lang="en-US" sz="3000" b="1" dirty="0">
+                <a:solidFill>
+                  <a:srgbClr val="000000"/>
+                </a:solidFill>
+                <a:latin typeface="Roboto" panose="02000000000000000000" pitchFamily="2" charset="0"/>
+                <a:ea typeface="Roboto" panose="02000000000000000000" pitchFamily="2" charset="0"/>
+                <a:cs typeface="Play Bold"/>
+                <a:sym typeface="Play Bold"/>
+              </a:rPr>
+              <a:t>HSV to RGB Conversion:</a:t>
+            </a:r>
+          </a:p>
+          <a:p>
+            <a:pPr marL="997458" lvl="2" indent="-332486" algn="just">
+              <a:buFont typeface="Arial"/>
+              <a:buChar char="⚬"/>
+            </a:pPr>
+            <a:r>
+              <a:rPr lang="en-US" sz="3000" dirty="0">
+                <a:solidFill>
+                  <a:srgbClr val="000000"/>
+                </a:solidFill>
+                <a:latin typeface="Roboto" panose="02000000000000000000" pitchFamily="2" charset="0"/>
+                <a:ea typeface="Roboto" panose="02000000000000000000" pitchFamily="2" charset="0"/>
+                <a:cs typeface="Play"/>
+                <a:sym typeface="Play"/>
+              </a:rPr>
+              <a:t>Implemented using two methods:</a:t>
+            </a:r>
+          </a:p>
+          <a:p>
+            <a:pPr marL="1496187" lvl="3" indent="-374047" algn="just">
+              <a:buFont typeface="Arial"/>
+              <a:buChar char="￭"/>
+            </a:pPr>
+            <a:r>
+              <a:rPr lang="en-US" sz="3000" dirty="0">
+                <a:solidFill>
+                  <a:srgbClr val="000000"/>
+                </a:solidFill>
+                <a:latin typeface="Roboto" panose="02000000000000000000" pitchFamily="2" charset="0"/>
+                <a:ea typeface="Roboto" panose="02000000000000000000" pitchFamily="2" charset="0"/>
+                <a:cs typeface="Play"/>
+                <a:sym typeface="Play"/>
+              </a:rPr>
+              <a:t>Loop-based method (pixel-by-pixel).</a:t>
+            </a:r>
+          </a:p>
+          <a:p>
+            <a:pPr marL="1496187" lvl="3" indent="-374047" algn="just">
+              <a:buFont typeface="Arial"/>
+              <a:buChar char="￭"/>
+            </a:pPr>
+            <a:r>
+              <a:rPr lang="en-US" sz="3000" dirty="0">
+                <a:solidFill>
+                  <a:srgbClr val="000000"/>
+                </a:solidFill>
+                <a:latin typeface="Roboto" panose="02000000000000000000" pitchFamily="2" charset="0"/>
+                <a:ea typeface="Roboto" panose="02000000000000000000" pitchFamily="2" charset="0"/>
+                <a:cs typeface="Play"/>
+                <a:sym typeface="Play"/>
+              </a:rPr>
+              <a:t>Matrix-based method (using NumPy operations).</a:t>
+            </a:r>
+          </a:p>
+          <a:p>
+            <a:pPr marL="1122140" lvl="3" algn="just"/>
+            <a:endParaRPr lang="en-US" sz="3000" dirty="0">
+              <a:solidFill>
+                <a:srgbClr val="000000"/>
+              </a:solidFill>
+              <a:latin typeface="Roboto" panose="02000000000000000000" pitchFamily="2" charset="0"/>
+              <a:ea typeface="Roboto" panose="02000000000000000000" pitchFamily="2" charset="0"/>
+              <a:cs typeface="Play"/>
+              <a:sym typeface="Play"/>
+            </a:endParaRPr>
+          </a:p>
+          <a:p>
+            <a:pPr marL="498729" lvl="1" indent="-249365" algn="just">
+              <a:buFont typeface="Arial"/>
+              <a:buChar char="•"/>
+            </a:pPr>
+            <a:r>
+              <a:rPr lang="en-US" sz="3000" b="1" dirty="0">
+                <a:solidFill>
+                  <a:srgbClr val="000000"/>
+                </a:solidFill>
+                <a:latin typeface="Roboto" panose="02000000000000000000" pitchFamily="2" charset="0"/>
+                <a:ea typeface="Roboto" panose="02000000000000000000" pitchFamily="2" charset="0"/>
+                <a:cs typeface="Play Bold"/>
+                <a:sym typeface="Play Bold"/>
+              </a:rPr>
+              <a:t>GUI Design:</a:t>
+            </a:r>
+          </a:p>
+          <a:p>
+            <a:pPr marL="997458" lvl="2" indent="-332486" algn="just">
+              <a:buFont typeface="Arial"/>
+              <a:buChar char="⚬"/>
+            </a:pPr>
+            <a:r>
+              <a:rPr lang="en-US" sz="3000" dirty="0">
+                <a:solidFill>
+                  <a:srgbClr val="000000"/>
+                </a:solidFill>
+                <a:latin typeface="Roboto" panose="02000000000000000000" pitchFamily="2" charset="0"/>
+                <a:ea typeface="Roboto" panose="02000000000000000000" pitchFamily="2" charset="0"/>
+                <a:cs typeface="Play"/>
+                <a:sym typeface="Play"/>
+              </a:rPr>
+              <a:t>Built with Qt Designer’s drag-and-drop interface.</a:t>
+            </a:r>
+          </a:p>
+          <a:p>
+            <a:pPr marL="997458" lvl="2" indent="-332486" algn="just">
+              <a:buFont typeface="Arial"/>
+              <a:buChar char="⚬"/>
+            </a:pPr>
+            <a:r>
+              <a:rPr lang="en-US" sz="3000" dirty="0">
+                <a:solidFill>
+                  <a:srgbClr val="000000"/>
+                </a:solidFill>
+                <a:latin typeface="Roboto" panose="02000000000000000000" pitchFamily="2" charset="0"/>
+                <a:ea typeface="Roboto" panose="02000000000000000000" pitchFamily="2" charset="0"/>
+                <a:cs typeface="Play"/>
+                <a:sym typeface="Play"/>
+              </a:rPr>
+              <a:t>PyQt6 used for dynamic interaction with images.</a:t>
+            </a:r>
+          </a:p>
+          <a:p>
+            <a:pPr marL="0" lvl="0" indent="0" algn="just"/>
+            <a:endParaRPr lang="en-US" sz="3000" dirty="0">
+              <a:solidFill>
+                <a:srgbClr val="000000"/>
+              </a:solidFill>
+              <a:latin typeface="Roboto" panose="02000000000000000000" pitchFamily="2" charset="0"/>
+              <a:ea typeface="Roboto" panose="02000000000000000000" pitchFamily="2" charset="0"/>
+              <a:cs typeface="Play"/>
+              <a:sym typeface="Play"/>
+            </a:endParaRPr>
+          </a:p>
+        </p:txBody>
+      </p:sp>
+      <p:sp>
+        <p:nvSpPr>
+          <p:cNvPr id="7" name="TextBox 7"/>
+          <p:cNvSpPr txBox="1"/>
+          <p:nvPr/>
+        </p:nvSpPr>
+        <p:spPr>
+          <a:xfrm>
+            <a:off x="17259300" y="9210675"/>
+            <a:ext cx="392736" cy="335541"/>
+          </a:xfrm>
+          <a:prstGeom prst="rect">
+            <a:avLst/>
+          </a:prstGeom>
+        </p:spPr>
+        <p:txBody>
+          <a:bodyPr wrap="none" lIns="0" tIns="0" rIns="0" bIns="0" rtlCol="0" anchor="t">
+            <a:spAutoFit/>
+          </a:bodyPr>
+          <a:lstStyle/>
+          <a:p>
+            <a:pPr algn="l">
+              <a:lnSpc>
+                <a:spcPts val="2800"/>
+              </a:lnSpc>
+              <a:spcBef>
+                <a:spcPct val="0"/>
+              </a:spcBef>
+            </a:pPr>
+            <a:r>
+              <a:rPr lang="en-US" sz="2000" dirty="0">
+                <a:solidFill>
+                  <a:srgbClr val="000000"/>
+                </a:solidFill>
+                <a:latin typeface="Canva Sans"/>
+                <a:ea typeface="Canva Sans"/>
+                <a:cs typeface="Canva Sans"/>
+                <a:sym typeface="Canva Sans"/>
+              </a:rPr>
+              <a:t>2/5</a:t>
+            </a:r>
+          </a:p>
+        </p:txBody>
+      </p:sp>
+      <p:sp>
+        <p:nvSpPr>
           <p:cNvPr id="2" name="Freeform 2"/>
           <p:cNvSpPr/>
           <p:nvPr/>
         </p:nvSpPr>
         <p:spPr>
           <a:xfrm>
-            <a:off x="6220505" y="6552838"/>
-            <a:ext cx="2705462" cy="2705462"/>
+            <a:off x="3733800" y="8487593"/>
+            <a:ext cx="1400472" cy="1434549"/>
           </a:xfrm>
           <a:custGeom>
             <a:avLst/>
@@ -3937,6 +4292,13 @@
             </a:stretch>
           </a:blipFill>
         </p:spPr>
+        <p:txBody>
+          <a:bodyPr/>
+          <a:lstStyle/>
+          <a:p>
+            <a:endParaRPr lang="en-US" dirty="0"/>
+          </a:p>
+        </p:txBody>
       </p:sp>
       <p:sp>
         <p:nvSpPr>
@@ -3946,8 +4308,8 @@
         </p:nvSpPr>
         <p:spPr>
           <a:xfrm>
-            <a:off x="1028700" y="7763447"/>
-            <a:ext cx="5050180" cy="1494853"/>
+            <a:off x="646440" y="8801100"/>
+            <a:ext cx="2821562" cy="836287"/>
           </a:xfrm>
           <a:custGeom>
             <a:avLst/>
@@ -3983,6 +4345,13 @@
             </a:stretch>
           </a:blipFill>
         </p:spPr>
+        <p:txBody>
+          <a:bodyPr/>
+          <a:lstStyle/>
+          <a:p>
+            <a:endParaRPr lang="en-US"/>
+          </a:p>
+        </p:txBody>
       </p:sp>
       <p:sp>
         <p:nvSpPr>
@@ -3992,8 +4361,8 @@
         </p:nvSpPr>
         <p:spPr>
           <a:xfrm>
-            <a:off x="10024729" y="7045884"/>
-            <a:ext cx="2401354" cy="1719369"/>
+            <a:off x="5943600" y="8631562"/>
+            <a:ext cx="1400472" cy="951208"/>
           </a:xfrm>
           <a:custGeom>
             <a:avLst/>
@@ -4029,400 +4398,11 @@
             </a:stretch>
           </a:blipFill>
         </p:spPr>
-      </p:sp>
-      <p:sp>
-        <p:nvSpPr>
-          <p:cNvPr id="5" name="TextBox 5"/>
-          <p:cNvSpPr txBox="1"/>
-          <p:nvPr/>
-        </p:nvSpPr>
-        <p:spPr>
-          <a:xfrm>
-            <a:off x="1172840" y="2632165"/>
-            <a:ext cx="7676927" cy="2047875"/>
-          </a:xfrm>
-          <a:prstGeom prst="rect">
-            <a:avLst/>
-          </a:prstGeom>
-        </p:spPr>
-        <p:txBody>
-          <a:bodyPr lIns="0" tIns="0" rIns="0" bIns="0" rtlCol="0" anchor="t">
-            <a:spAutoFit/>
-          </a:bodyPr>
-          <a:lstStyle/>
-          <a:p>
-            <a:pPr marL="0" lvl="0" indent="0" algn="l">
-              <a:lnSpc>
-                <a:spcPts val="8084"/>
-              </a:lnSpc>
-            </a:pPr>
-            <a:r>
-              <a:rPr lang="en-US" sz="6737" b="1">
-                <a:solidFill>
-                  <a:srgbClr val="000000"/>
-                </a:solidFill>
-                <a:latin typeface="Play Bold"/>
-                <a:ea typeface="Play Bold"/>
-                <a:cs typeface="Play Bold"/>
-                <a:sym typeface="Play Bold"/>
-              </a:rPr>
-              <a:t>Technical Background</a:t>
-            </a:r>
-          </a:p>
-        </p:txBody>
-      </p:sp>
-      <p:sp>
-        <p:nvSpPr>
-          <p:cNvPr id="6" name="TextBox 6"/>
-          <p:cNvSpPr txBox="1"/>
-          <p:nvPr/>
-        </p:nvSpPr>
-        <p:spPr>
-          <a:xfrm>
-            <a:off x="9438233" y="408458"/>
-            <a:ext cx="7676927" cy="6476238"/>
-          </a:xfrm>
-          <a:prstGeom prst="rect">
-            <a:avLst/>
-          </a:prstGeom>
-        </p:spPr>
-        <p:txBody>
-          <a:bodyPr lIns="0" tIns="0" rIns="0" bIns="0" rtlCol="0" anchor="t">
-            <a:spAutoFit/>
-          </a:bodyPr>
-          <a:lstStyle/>
-          <a:p>
-            <a:pPr marL="498729" lvl="1" indent="-249365" algn="l">
-              <a:lnSpc>
-                <a:spcPts val="3003"/>
-              </a:lnSpc>
-              <a:buFont typeface="Arial"/>
-              <a:buChar char="•"/>
-            </a:pPr>
-            <a:r>
-              <a:rPr lang="en-US" sz="2310" b="1">
-                <a:solidFill>
-                  <a:srgbClr val="000000"/>
-                </a:solidFill>
-                <a:latin typeface="Play Bold"/>
-                <a:ea typeface="Play Bold"/>
-                <a:cs typeface="Play Bold"/>
-                <a:sym typeface="Play Bold"/>
-              </a:rPr>
-              <a:t>RGB to HSV Conversion:</a:t>
-            </a:r>
-          </a:p>
-          <a:p>
-            <a:pPr marL="997458" lvl="2" indent="-332486" algn="l">
-              <a:lnSpc>
-                <a:spcPts val="3003"/>
-              </a:lnSpc>
-              <a:buFont typeface="Arial"/>
-              <a:buChar char="⚬"/>
-            </a:pPr>
-            <a:r>
-              <a:rPr lang="en-US" sz="2310">
-                <a:solidFill>
-                  <a:srgbClr val="000000"/>
-                </a:solidFill>
-                <a:latin typeface="Play"/>
-                <a:ea typeface="Play"/>
-                <a:cs typeface="Play"/>
-                <a:sym typeface="Play"/>
-              </a:rPr>
-              <a:t>Done using OpenCV’s cv2.cvtColor() function.</a:t>
-            </a:r>
-          </a:p>
-          <a:p>
-            <a:pPr marL="997458" lvl="2" indent="-332486" algn="l">
-              <a:lnSpc>
-                <a:spcPts val="3003"/>
-              </a:lnSpc>
-              <a:buFont typeface="Arial"/>
-              <a:buChar char="⚬"/>
-            </a:pPr>
-            <a:r>
-              <a:rPr lang="en-US" sz="2310">
-                <a:solidFill>
-                  <a:srgbClr val="000000"/>
-                </a:solidFill>
-                <a:latin typeface="Play"/>
-                <a:ea typeface="Play"/>
-                <a:cs typeface="Play"/>
-                <a:sym typeface="Play"/>
-              </a:rPr>
-              <a:t>Converts image into Hue, Saturation, Value channels.</a:t>
-            </a:r>
-          </a:p>
-          <a:p>
-            <a:pPr marL="498729" lvl="1" indent="-249365" algn="l">
-              <a:lnSpc>
-                <a:spcPts val="3003"/>
-              </a:lnSpc>
-              <a:buFont typeface="Arial"/>
-              <a:buChar char="•"/>
-            </a:pPr>
-            <a:r>
-              <a:rPr lang="en-US" sz="2310" b="1">
-                <a:solidFill>
-                  <a:srgbClr val="000000"/>
-                </a:solidFill>
-                <a:latin typeface="Play Bold"/>
-                <a:ea typeface="Play Bold"/>
-                <a:cs typeface="Play Bold"/>
-                <a:sym typeface="Play Bold"/>
-              </a:rPr>
-              <a:t>Hue and Value Adjustment:</a:t>
-            </a:r>
-          </a:p>
-          <a:p>
-            <a:pPr marL="997458" lvl="2" indent="-332486" algn="l">
-              <a:lnSpc>
-                <a:spcPts val="3003"/>
-              </a:lnSpc>
-              <a:buFont typeface="Arial"/>
-              <a:buChar char="⚬"/>
-            </a:pPr>
-            <a:r>
-              <a:rPr lang="en-US" sz="2310">
-                <a:solidFill>
-                  <a:srgbClr val="000000"/>
-                </a:solidFill>
-                <a:latin typeface="Play"/>
-                <a:ea typeface="Play"/>
-                <a:cs typeface="Play"/>
-                <a:sym typeface="Play"/>
-              </a:rPr>
-              <a:t>Hue shifted by a configurable angle (0–360°).</a:t>
-            </a:r>
-          </a:p>
-          <a:p>
-            <a:pPr marL="997458" lvl="2" indent="-332486" algn="l">
-              <a:lnSpc>
-                <a:spcPts val="3003"/>
-              </a:lnSpc>
-              <a:buFont typeface="Arial"/>
-              <a:buChar char="⚬"/>
-            </a:pPr>
-            <a:r>
-              <a:rPr lang="en-US" sz="2310">
-                <a:solidFill>
-                  <a:srgbClr val="000000"/>
-                </a:solidFill>
-                <a:latin typeface="Play"/>
-                <a:ea typeface="Play"/>
-                <a:cs typeface="Play"/>
-                <a:sym typeface="Play"/>
-              </a:rPr>
-              <a:t>Value adjusted using gamma correction (0.5–4.0x).</a:t>
-            </a:r>
-          </a:p>
-          <a:p>
-            <a:pPr marL="498729" lvl="1" indent="-249365" algn="l">
-              <a:lnSpc>
-                <a:spcPts val="3003"/>
-              </a:lnSpc>
-              <a:buFont typeface="Arial"/>
-              <a:buChar char="•"/>
-            </a:pPr>
-            <a:r>
-              <a:rPr lang="en-US" sz="2310" b="1">
-                <a:solidFill>
-                  <a:srgbClr val="000000"/>
-                </a:solidFill>
-                <a:latin typeface="Play Bold"/>
-                <a:ea typeface="Play Bold"/>
-                <a:cs typeface="Play Bold"/>
-                <a:sym typeface="Play Bold"/>
-              </a:rPr>
-              <a:t>HSV to RGB Conversion:</a:t>
-            </a:r>
-          </a:p>
-          <a:p>
-            <a:pPr marL="997458" lvl="2" indent="-332486" algn="l">
-              <a:lnSpc>
-                <a:spcPts val="3003"/>
-              </a:lnSpc>
-              <a:buFont typeface="Arial"/>
-              <a:buChar char="⚬"/>
-            </a:pPr>
-            <a:r>
-              <a:rPr lang="en-US" sz="2310">
-                <a:solidFill>
-                  <a:srgbClr val="000000"/>
-                </a:solidFill>
-                <a:latin typeface="Play"/>
-                <a:ea typeface="Play"/>
-                <a:cs typeface="Play"/>
-                <a:sym typeface="Play"/>
-              </a:rPr>
-              <a:t>Implemented using two methods:</a:t>
-            </a:r>
-          </a:p>
-          <a:p>
-            <a:pPr marL="1496187" lvl="3" indent="-374047" algn="l">
-              <a:lnSpc>
-                <a:spcPts val="3003"/>
-              </a:lnSpc>
-              <a:buFont typeface="Arial"/>
-              <a:buChar char="￭"/>
-            </a:pPr>
-            <a:r>
-              <a:rPr lang="en-US" sz="2310">
-                <a:solidFill>
-                  <a:srgbClr val="000000"/>
-                </a:solidFill>
-                <a:latin typeface="Play"/>
-                <a:ea typeface="Play"/>
-                <a:cs typeface="Play"/>
-                <a:sym typeface="Play"/>
-              </a:rPr>
-              <a:t>Loop-based method (pixel-by-pixel).</a:t>
-            </a:r>
-          </a:p>
-          <a:p>
-            <a:pPr marL="1496187" lvl="3" indent="-374047" algn="l">
-              <a:lnSpc>
-                <a:spcPts val="3003"/>
-              </a:lnSpc>
-              <a:buFont typeface="Arial"/>
-              <a:buChar char="￭"/>
-            </a:pPr>
-            <a:r>
-              <a:rPr lang="en-US" sz="2310">
-                <a:solidFill>
-                  <a:srgbClr val="000000"/>
-                </a:solidFill>
-                <a:latin typeface="Play"/>
-                <a:ea typeface="Play"/>
-                <a:cs typeface="Play"/>
-                <a:sym typeface="Play"/>
-              </a:rPr>
-              <a:t>Matrix-based method (using NumPy operations).</a:t>
-            </a:r>
-          </a:p>
-          <a:p>
-            <a:pPr marL="498729" lvl="1" indent="-249365" algn="l">
-              <a:lnSpc>
-                <a:spcPts val="3003"/>
-              </a:lnSpc>
-              <a:buFont typeface="Arial"/>
-              <a:buChar char="•"/>
-            </a:pPr>
-            <a:r>
-              <a:rPr lang="en-US" sz="2310" b="1">
-                <a:solidFill>
-                  <a:srgbClr val="000000"/>
-                </a:solidFill>
-                <a:latin typeface="Play Bold"/>
-                <a:ea typeface="Play Bold"/>
-                <a:cs typeface="Play Bold"/>
-                <a:sym typeface="Play Bold"/>
-              </a:rPr>
-              <a:t>GUI Design:</a:t>
-            </a:r>
-          </a:p>
-          <a:p>
-            <a:pPr marL="997458" lvl="2" indent="-332486" algn="l">
-              <a:lnSpc>
-                <a:spcPts val="3003"/>
-              </a:lnSpc>
-              <a:buFont typeface="Arial"/>
-              <a:buChar char="⚬"/>
-            </a:pPr>
-            <a:r>
-              <a:rPr lang="en-US" sz="2310">
-                <a:solidFill>
-                  <a:srgbClr val="000000"/>
-                </a:solidFill>
-                <a:latin typeface="Play"/>
-                <a:ea typeface="Play"/>
-                <a:cs typeface="Play"/>
-                <a:sym typeface="Play"/>
-              </a:rPr>
-              <a:t>Built with Qt Designer’s drag-and-drop interface.</a:t>
-            </a:r>
-          </a:p>
-          <a:p>
-            <a:pPr marL="997458" lvl="2" indent="-332486" algn="l">
-              <a:lnSpc>
-                <a:spcPts val="3003"/>
-              </a:lnSpc>
-              <a:buFont typeface="Arial"/>
-              <a:buChar char="⚬"/>
-            </a:pPr>
-            <a:r>
-              <a:rPr lang="en-US" sz="2310">
-                <a:solidFill>
-                  <a:srgbClr val="000000"/>
-                </a:solidFill>
-                <a:latin typeface="Play"/>
-                <a:ea typeface="Play"/>
-                <a:cs typeface="Play"/>
-                <a:sym typeface="Play"/>
-              </a:rPr>
-              <a:t>PyQt6 used for dynamic interaction with images.</a:t>
-            </a:r>
-          </a:p>
-          <a:p>
-            <a:pPr marL="0" lvl="0" indent="0" algn="l">
-              <a:lnSpc>
-                <a:spcPts val="3003"/>
-              </a:lnSpc>
-            </a:pPr>
-            <a:endParaRPr lang="en-US" sz="2310">
-              <a:solidFill>
-                <a:srgbClr val="000000"/>
-              </a:solidFill>
-              <a:latin typeface="Play"/>
-              <a:ea typeface="Play"/>
-              <a:cs typeface="Play"/>
-              <a:sym typeface="Play"/>
-            </a:endParaRPr>
-          </a:p>
-        </p:txBody>
-      </p:sp>
-      <p:sp>
-        <p:nvSpPr>
-          <p:cNvPr id="7" name="TextBox 7"/>
-          <p:cNvSpPr txBox="1"/>
-          <p:nvPr/>
-        </p:nvSpPr>
-        <p:spPr>
-          <a:xfrm>
-            <a:off x="17259300" y="9210675"/>
-            <a:ext cx="152400" cy="200025"/>
-          </a:xfrm>
-          <a:prstGeom prst="rect">
-            <a:avLst/>
-          </a:prstGeom>
-        </p:spPr>
-        <p:txBody>
-          <a:bodyPr wrap="none" lIns="0" tIns="0" rIns="0" bIns="0" rtlCol="0" anchor="t">
-            <a:spAutoFit/>
-          </a:bodyPr>
-          <a:lstStyle/>
-          <a:p>
-            <a:pPr algn="l">
-              <a:lnSpc>
-                <a:spcPts val="2800"/>
-              </a:lnSpc>
-              <a:spcBef>
-                <a:spcPct val="0"/>
-              </a:spcBef>
-            </a:pPr>
-            <a:r>
-              <a:rPr lang="en-US" sz="2000">
-                <a:solidFill>
-                  <a:srgbClr val="000000"/>
-                </a:solidFill>
-                <a:latin typeface="Canva Sans"/>
-                <a:ea typeface="Canva Sans"/>
-                <a:cs typeface="Canva Sans"/>
-                <a:sym typeface="Canva Sans"/>
-              </a:rPr>
-              <a:t>3</a:t>
-            </a:r>
+        <p:txBody>
+          <a:bodyPr/>
+          <a:lstStyle/>
+          <a:p>
+            <a:endParaRPr lang="en-US"/>
           </a:p>
         </p:txBody>
       </p:sp>
@@ -4496,6 +4476,13 @@
             </a:stretch>
           </a:blipFill>
         </p:spPr>
+        <p:txBody>
+          <a:bodyPr/>
+          <a:lstStyle/>
+          <a:p>
+            <a:endParaRPr lang="en-US"/>
+          </a:p>
+        </p:txBody>
       </p:sp>
       <p:sp>
         <p:nvSpPr>
@@ -4505,8 +4492,8 @@
         </p:nvSpPr>
         <p:spPr>
           <a:xfrm>
-            <a:off x="1028700" y="1019175"/>
-            <a:ext cx="8650227" cy="1362075"/>
+            <a:off x="874990" y="1563194"/>
+            <a:ext cx="8650227" cy="1253805"/>
           </a:xfrm>
           <a:prstGeom prst="rect">
             <a:avLst/>
@@ -4524,11 +4511,11 @@
               </a:lnSpc>
             </a:pPr>
             <a:r>
-              <a:rPr lang="en-US" sz="8887" b="1">
+              <a:rPr lang="en-US" sz="7000" b="1" dirty="0">
                 <a:solidFill>
                   <a:srgbClr val="000000"/>
                 </a:solidFill>
-                <a:latin typeface="Play Bold"/>
+                <a:latin typeface="Product Sans" panose="020B0403030502040203" pitchFamily="34" charset="0"/>
                 <a:ea typeface="Play Bold"/>
                 <a:cs typeface="Play Bold"/>
                 <a:sym typeface="Play Bold"/>
@@ -4546,7 +4533,7 @@
         </p:nvSpPr>
         <p:spPr>
           <a:xfrm>
-            <a:off x="274045" y="5610225"/>
+            <a:off x="409575" y="5610225"/>
             <a:ext cx="4365393" cy="834168"/>
           </a:xfrm>
           <a:prstGeom prst="rect">
@@ -4565,11 +4552,11 @@
               </a:lnSpc>
             </a:pPr>
             <a:r>
-              <a:rPr lang="en-US" sz="2567" b="1">
+              <a:rPr lang="en-US" sz="2567" b="1" dirty="0">
                 <a:solidFill>
                   <a:srgbClr val="000000"/>
                 </a:solidFill>
-                <a:latin typeface="Play Bold"/>
+                <a:latin typeface="Product Sans" panose="020B0403030502040203" pitchFamily="34" charset="0"/>
                 <a:ea typeface="Play Bold"/>
                 <a:cs typeface="Play Bold"/>
                 <a:sym typeface="Play Bold"/>
@@ -4587,7 +4574,7 @@
         </p:nvSpPr>
         <p:spPr>
           <a:xfrm>
-            <a:off x="4668626" y="5610225"/>
+            <a:off x="4778607" y="5640265"/>
             <a:ext cx="4365393" cy="834168"/>
           </a:xfrm>
           <a:prstGeom prst="rect">
@@ -4606,11 +4593,11 @@
               </a:lnSpc>
             </a:pPr>
             <a:r>
-              <a:rPr lang="en-US" sz="2567" b="1">
+              <a:rPr lang="en-US" sz="2567" b="1" dirty="0">
                 <a:solidFill>
                   <a:srgbClr val="000000"/>
                 </a:solidFill>
-                <a:latin typeface="Play Bold"/>
+                <a:latin typeface="Product Sans" panose="020B0403030502040203" pitchFamily="34" charset="0"/>
                 <a:ea typeface="Play Bold"/>
                 <a:cs typeface="Play Bold"/>
                 <a:sym typeface="Play Bold"/>
@@ -4628,7 +4615,7 @@
         </p:nvSpPr>
         <p:spPr>
           <a:xfrm>
-            <a:off x="8872094" y="5610225"/>
+            <a:off x="9144000" y="5610225"/>
             <a:ext cx="4365393" cy="415068"/>
           </a:xfrm>
           <a:prstGeom prst="rect">
@@ -4647,11 +4634,11 @@
               </a:lnSpc>
             </a:pPr>
             <a:r>
-              <a:rPr lang="en-US" sz="2567" b="1">
+              <a:rPr lang="en-US" sz="2567" b="1" dirty="0">
                 <a:solidFill>
                   <a:srgbClr val="000000"/>
                 </a:solidFill>
-                <a:latin typeface="Play Bold"/>
+                <a:latin typeface="Product Sans" panose="020B0403030502040203" pitchFamily="34" charset="0"/>
                 <a:ea typeface="Play Bold"/>
                 <a:cs typeface="Play Bold"/>
                 <a:sym typeface="Play Bold"/>
@@ -4670,7 +4657,7 @@
         <p:spPr>
           <a:xfrm>
             <a:off x="274045" y="6575960"/>
-            <a:ext cx="4365393" cy="1941576"/>
+            <a:ext cx="4365393" cy="1964320"/>
           </a:xfrm>
           <a:prstGeom prst="rect">
             <a:avLst/>
@@ -4690,12 +4677,12 @@
               <a:buChar char="•"/>
             </a:pPr>
             <a:r>
-              <a:rPr lang="en-US" sz="2370">
+              <a:rPr lang="en-US" sz="2370" dirty="0">
                 <a:solidFill>
                   <a:srgbClr val="000000"/>
                 </a:solidFill>
-                <a:latin typeface="Play"/>
-                <a:ea typeface="Play"/>
+                <a:latin typeface="Roboto" panose="02000000000000000000" pitchFamily="2" charset="0"/>
+                <a:ea typeface="Roboto" panose="02000000000000000000" pitchFamily="2" charset="0"/>
                 <a:cs typeface="Play"/>
                 <a:sym typeface="Play"/>
               </a:rPr>
@@ -4711,12 +4698,12 @@
               <a:buChar char="•"/>
             </a:pPr>
             <a:r>
-              <a:rPr lang="en-US" sz="2370">
+              <a:rPr lang="en-US" sz="2370" dirty="0">
                 <a:solidFill>
                   <a:srgbClr val="000000"/>
                 </a:solidFill>
-                <a:latin typeface="Play"/>
-                <a:ea typeface="Play"/>
+                <a:latin typeface="Roboto" panose="02000000000000000000" pitchFamily="2" charset="0"/>
+                <a:ea typeface="Roboto" panose="02000000000000000000" pitchFamily="2" charset="0"/>
                 <a:cs typeface="Play"/>
                 <a:sym typeface="Play"/>
               </a:rPr>
@@ -4734,7 +4721,7 @@
         <p:spPr>
           <a:xfrm>
             <a:off x="4563238" y="6575960"/>
-            <a:ext cx="4470781" cy="2722626"/>
+            <a:ext cx="4470781" cy="2361865"/>
           </a:xfrm>
           <a:prstGeom prst="rect">
             <a:avLst/>
@@ -4757,16 +4744,16 @@
               <a:buChar char="•"/>
             </a:pPr>
             <a:r>
-              <a:rPr lang="en-US" sz="2370" u="none" strike="noStrike">
+              <a:rPr lang="en-US" sz="2370" u="none" strike="noStrike" dirty="0">
                 <a:solidFill>
                   <a:srgbClr val="000000"/>
                 </a:solidFill>
-                <a:latin typeface="Play"/>
-                <a:ea typeface="Play"/>
+                <a:latin typeface="Roboto" panose="02000000000000000000" pitchFamily="2" charset="0"/>
+                <a:ea typeface="Roboto" panose="02000000000000000000" pitchFamily="2" charset="0"/>
                 <a:cs typeface="Play"/>
                 <a:sym typeface="Play"/>
               </a:rPr>
-              <a:t>Optimization techniques reduce computational time by 30%.PyQt6-based graphical interface.</a:t>
+              <a:t>Optimization techniques reduce computational time by 30%. PyQt6-based graphical interface.</a:t>
             </a:r>
           </a:p>
           <a:p>
@@ -4781,12 +4768,12 @@
               <a:buChar char="•"/>
             </a:pPr>
             <a:r>
-              <a:rPr lang="en-US" sz="2370" u="none" strike="noStrike">
+              <a:rPr lang="en-US" sz="2370" u="none" strike="noStrike" dirty="0">
                 <a:solidFill>
                   <a:srgbClr val="000000"/>
                 </a:solidFill>
-                <a:latin typeface="Play"/>
-                <a:ea typeface="Play"/>
+                <a:latin typeface="Roboto" panose="02000000000000000000" pitchFamily="2" charset="0"/>
+                <a:ea typeface="Roboto" panose="02000000000000000000" pitchFamily="2" charset="0"/>
                 <a:cs typeface="Play"/>
                 <a:sym typeface="Play"/>
               </a:rPr>
@@ -4804,7 +4791,7 @@
         <p:spPr>
           <a:xfrm>
             <a:off x="8872094" y="6425343"/>
-            <a:ext cx="4365393" cy="1941576"/>
+            <a:ext cx="4365393" cy="1964320"/>
           </a:xfrm>
           <a:prstGeom prst="rect">
             <a:avLst/>
@@ -4827,28 +4814,52 @@
               <a:buChar char="•"/>
             </a:pPr>
             <a:r>
-              <a:rPr lang="en-US" sz="2370">
+              <a:rPr lang="en-US" sz="2370" dirty="0">
                 <a:solidFill>
                   <a:srgbClr val="000000"/>
                 </a:solidFill>
-                <a:latin typeface="Play"/>
-                <a:ea typeface="Play"/>
+                <a:latin typeface="Roboto" panose="02000000000000000000" pitchFamily="2" charset="0"/>
+                <a:ea typeface="Roboto" panose="02000000000000000000" pitchFamily="2" charset="0"/>
                 <a:cs typeface="Play"/>
                 <a:sym typeface="Play"/>
               </a:rPr>
               <a:t>Fully d</a:t>
             </a:r>
             <a:r>
-              <a:rPr lang="en-US" sz="2370" u="none" strike="noStrike">
+              <a:rPr lang="en-US" sz="2370" u="none" strike="noStrike" dirty="0">
                 <a:solidFill>
                   <a:srgbClr val="000000"/>
                 </a:solidFill>
-                <a:latin typeface="Play"/>
-                <a:ea typeface="Play"/>
+                <a:latin typeface="Roboto" panose="02000000000000000000" pitchFamily="2" charset="0"/>
+                <a:ea typeface="Roboto" panose="02000000000000000000" pitchFamily="2" charset="0"/>
                 <a:cs typeface="Play"/>
                 <a:sym typeface="Play"/>
               </a:rPr>
-              <a:t>ocumented with Doxygen comments.</a:t>
+              <a:t>ocumented with </a:t>
+            </a:r>
+            <a:r>
+              <a:rPr lang="en-US" sz="2370" u="none" strike="noStrike" dirty="0" err="1">
+                <a:solidFill>
+                  <a:srgbClr val="000000"/>
+                </a:solidFill>
+                <a:latin typeface="Roboto" panose="02000000000000000000" pitchFamily="2" charset="0"/>
+                <a:ea typeface="Roboto" panose="02000000000000000000" pitchFamily="2" charset="0"/>
+                <a:cs typeface="Play"/>
+                <a:sym typeface="Play"/>
+              </a:rPr>
+              <a:t>Doxygen</a:t>
+            </a:r>
+            <a:r>
+              <a:rPr lang="en-US" sz="2370" u="none" strike="noStrike" dirty="0">
+                <a:solidFill>
+                  <a:srgbClr val="000000"/>
+                </a:solidFill>
+                <a:latin typeface="Roboto" panose="02000000000000000000" pitchFamily="2" charset="0"/>
+                <a:ea typeface="Roboto" panose="02000000000000000000" pitchFamily="2" charset="0"/>
+                <a:cs typeface="Play"/>
+                <a:sym typeface="Play"/>
+              </a:rPr>
+              <a:t> comments.</a:t>
             </a:r>
           </a:p>
           <a:p>
@@ -4863,12 +4874,12 @@
               <a:buChar char="•"/>
             </a:pPr>
             <a:r>
-              <a:rPr lang="en-US" sz="2370" u="none" strike="noStrike">
+              <a:rPr lang="en-US" sz="2370" u="none" strike="noStrike" dirty="0">
                 <a:solidFill>
                   <a:srgbClr val="000000"/>
                 </a:solidFill>
-                <a:latin typeface="Play"/>
-                <a:ea typeface="Play"/>
+                <a:latin typeface="Roboto" panose="02000000000000000000" pitchFamily="2" charset="0"/>
+                <a:ea typeface="Roboto" panose="02000000000000000000" pitchFamily="2" charset="0"/>
                 <a:cs typeface="Play"/>
                 <a:sym typeface="Play"/>
               </a:rPr>
@@ -4886,7 +4897,7 @@
         <p:spPr>
           <a:xfrm>
             <a:off x="17259300" y="9210675"/>
-            <a:ext cx="152400" cy="200025"/>
+            <a:ext cx="400751" cy="335541"/>
           </a:xfrm>
           <a:prstGeom prst="rect">
             <a:avLst/>
@@ -4907,7 +4918,7 @@
               </a:spcBef>
             </a:pPr>
             <a:r>
-              <a:rPr lang="en-US" sz="2000">
+              <a:rPr lang="en-US" sz="2000" dirty="0">
                 <a:solidFill>
                   <a:srgbClr val="000000"/>
                 </a:solidFill>
@@ -4916,7 +4927,7 @@
                 <a:cs typeface="Canva Sans"/>
                 <a:sym typeface="Canva Sans"/>
               </a:rPr>
-              <a:t>4</a:t>
+              <a:t>3/5</a:t>
             </a:r>
           </a:p>
         </p:txBody>
@@ -4929,7 +4940,7 @@
         </p:nvSpPr>
         <p:spPr>
           <a:xfrm>
-            <a:off x="13513032" y="5610225"/>
+            <a:off x="13716000" y="5610225"/>
             <a:ext cx="4365393" cy="415068"/>
           </a:xfrm>
           <a:prstGeom prst="rect">
@@ -4948,11 +4959,11 @@
               </a:lnSpc>
             </a:pPr>
             <a:r>
-              <a:rPr lang="en-US" sz="2567" b="1">
+              <a:rPr lang="en-US" sz="2567" b="1" dirty="0">
                 <a:solidFill>
                   <a:srgbClr val="000000"/>
                 </a:solidFill>
-                <a:latin typeface="Play Bold"/>
+                <a:latin typeface="Product Sans" panose="020B0403030502040203" pitchFamily="34" charset="0"/>
                 <a:ea typeface="Play Bold"/>
                 <a:cs typeface="Play Bold"/>
                 <a:sym typeface="Play Bold"/>
@@ -4971,7 +4982,7 @@
         <p:spPr>
           <a:xfrm>
             <a:off x="13513032" y="6369540"/>
-            <a:ext cx="4365393" cy="1941576"/>
+            <a:ext cx="4365393" cy="1964320"/>
           </a:xfrm>
           <a:prstGeom prst="rect">
             <a:avLst/>
@@ -4994,24 +5005,24 @@
               <a:buChar char="•"/>
             </a:pPr>
             <a:r>
-              <a:rPr lang="en-US" sz="2370">
+              <a:rPr lang="en-US" sz="2370" dirty="0">
                 <a:solidFill>
                   <a:srgbClr val="000000"/>
                 </a:solidFill>
-                <a:latin typeface="Play"/>
-                <a:ea typeface="Play"/>
+                <a:latin typeface="Roboto" panose="02000000000000000000" pitchFamily="2" charset="0"/>
+                <a:ea typeface="Roboto" panose="02000000000000000000" pitchFamily="2" charset="0"/>
                 <a:cs typeface="Play"/>
                 <a:sym typeface="Play"/>
               </a:rPr>
               <a:t> I</a:t>
             </a:r>
             <a:r>
-              <a:rPr lang="en-US" sz="2370" u="none" strike="noStrike">
+              <a:rPr lang="en-US" sz="2370" u="none" strike="noStrike" dirty="0">
                 <a:solidFill>
                   <a:srgbClr val="000000"/>
                 </a:solidFill>
-                <a:latin typeface="Play"/>
-                <a:ea typeface="Play"/>
+                <a:latin typeface="Roboto" panose="02000000000000000000" pitchFamily="2" charset="0"/>
+                <a:ea typeface="Roboto" panose="02000000000000000000" pitchFamily="2" charset="0"/>
                 <a:cs typeface="Play"/>
                 <a:sym typeface="Play"/>
               </a:rPr>
@@ -5030,12 +5041,12 @@
               <a:buChar char="•"/>
             </a:pPr>
             <a:r>
-              <a:rPr lang="en-US" sz="2370" u="none" strike="noStrike">
+              <a:rPr lang="en-US" sz="2370" u="none" strike="noStrike" dirty="0">
                 <a:solidFill>
                   <a:srgbClr val="000000"/>
                 </a:solidFill>
-                <a:latin typeface="Play"/>
-                <a:ea typeface="Play"/>
+                <a:latin typeface="Roboto" panose="02000000000000000000" pitchFamily="2" charset="0"/>
+                <a:ea typeface="Roboto" panose="02000000000000000000" pitchFamily="2" charset="0"/>
                 <a:cs typeface="Play"/>
                 <a:sym typeface="Play"/>
               </a:rPr>
@@ -5054,12 +5065,12 @@
               <a:buChar char="•"/>
             </a:pPr>
             <a:r>
-              <a:rPr lang="en-US" sz="2370" u="none" strike="noStrike">
+              <a:rPr lang="en-US" sz="2370" u="none" strike="noStrike" dirty="0">
                 <a:solidFill>
                   <a:srgbClr val="000000"/>
                 </a:solidFill>
-                <a:latin typeface="Play"/>
-                <a:ea typeface="Play"/>
+                <a:latin typeface="Roboto" panose="02000000000000000000" pitchFamily="2" charset="0"/>
+                <a:ea typeface="Roboto" panose="02000000000000000000" pitchFamily="2" charset="0"/>
                 <a:cs typeface="Play"/>
                 <a:sym typeface="Play"/>
               </a:rPr>
@@ -5078,12 +5089,12 @@
               <a:buChar char="•"/>
             </a:pPr>
             <a:r>
-              <a:rPr lang="en-US" sz="2370" u="none" strike="noStrike">
+              <a:rPr lang="en-US" sz="2370" u="none" strike="noStrike" dirty="0">
                 <a:solidFill>
                   <a:srgbClr val="000000"/>
                 </a:solidFill>
-                <a:latin typeface="Play"/>
-                <a:ea typeface="Play"/>
+                <a:latin typeface="Roboto" panose="02000000000000000000" pitchFamily="2" charset="0"/>
+                <a:ea typeface="Roboto" panose="02000000000000000000" pitchFamily="2" charset="0"/>
                 <a:cs typeface="Play"/>
                 <a:sym typeface="Play"/>
               </a:rPr>
@@ -5162,6 +5173,13 @@
             </a:stretch>
           </a:blipFill>
         </p:spPr>
+        <p:txBody>
+          <a:bodyPr/>
+          <a:lstStyle/>
+          <a:p>
+            <a:endParaRPr lang="en-US"/>
+          </a:p>
+        </p:txBody>
       </p:sp>
       <p:sp>
         <p:nvSpPr>
@@ -5208,6 +5226,13 @@
             </a:stretch>
           </a:blipFill>
         </p:spPr>
+        <p:txBody>
+          <a:bodyPr/>
+          <a:lstStyle/>
+          <a:p>
+            <a:endParaRPr lang="en-US"/>
+          </a:p>
+        </p:txBody>
       </p:sp>
       <p:sp>
         <p:nvSpPr>
@@ -5254,6 +5279,13 @@
             </a:stretch>
           </a:blipFill>
         </p:spPr>
+        <p:txBody>
+          <a:bodyPr/>
+          <a:lstStyle/>
+          <a:p>
+            <a:endParaRPr lang="en-US"/>
+          </a:p>
+        </p:txBody>
       </p:sp>
       <p:sp>
         <p:nvSpPr>
@@ -5300,6 +5332,13 @@
             </a:stretch>
           </a:blipFill>
         </p:spPr>
+        <p:txBody>
+          <a:bodyPr/>
+          <a:lstStyle/>
+          <a:p>
+            <a:endParaRPr lang="en-US"/>
+          </a:p>
+        </p:txBody>
       </p:sp>
       <p:sp>
         <p:nvSpPr>
@@ -5346,6 +5385,13 @@
             </a:stretch>
           </a:blipFill>
         </p:spPr>
+        <p:txBody>
+          <a:bodyPr/>
+          <a:lstStyle/>
+          <a:p>
+            <a:endParaRPr lang="en-US"/>
+          </a:p>
+        </p:txBody>
       </p:sp>
       <p:sp>
         <p:nvSpPr>
@@ -5355,7 +5401,7 @@
         </p:nvSpPr>
         <p:spPr>
           <a:xfrm>
-            <a:off x="195272" y="172726"/>
+            <a:off x="195272" y="319965"/>
             <a:ext cx="6747485" cy="1682043"/>
           </a:xfrm>
           <a:prstGeom prst="rect">
@@ -5374,11 +5420,11 @@
               </a:lnSpc>
             </a:pPr>
             <a:r>
-              <a:rPr lang="en-US" sz="6429" b="1">
+              <a:rPr lang="en-US" sz="6000" b="1" dirty="0">
                 <a:solidFill>
                   <a:srgbClr val="000000"/>
                 </a:solidFill>
-                <a:latin typeface="Play Bold"/>
+                <a:latin typeface="Product Sans" panose="020B0403030502040203" pitchFamily="34" charset="0"/>
                 <a:ea typeface="Play Bold"/>
                 <a:cs typeface="Play Bold"/>
                 <a:sym typeface="Play Bold"/>
@@ -5397,7 +5443,7 @@
         <p:spPr>
           <a:xfrm>
             <a:off x="17534587" y="9407810"/>
-            <a:ext cx="135544" cy="315464"/>
+            <a:ext cx="371897" cy="303866"/>
           </a:xfrm>
           <a:prstGeom prst="rect">
             <a:avLst/>
@@ -5418,7 +5464,7 @@
               </a:spcBef>
             </a:pPr>
             <a:r>
-              <a:rPr lang="en-US" sz="1839">
+              <a:rPr lang="en-US" sz="1839" dirty="0">
                 <a:solidFill>
                   <a:srgbClr val="000000"/>
                 </a:solidFill>
@@ -5427,7 +5473,7 @@
                 <a:cs typeface="Play"/>
                 <a:sym typeface="Play"/>
               </a:rPr>
-              <a:t>5</a:t>
+              <a:t>4/5</a:t>
             </a:r>
           </a:p>
         </p:txBody>
@@ -5462,11 +5508,11 @@
               </a:spcBef>
             </a:pPr>
             <a:r>
-              <a:rPr lang="en-US" sz="2390" b="1">
+              <a:rPr lang="en-US" sz="2390" b="1" dirty="0">
                 <a:solidFill>
                   <a:srgbClr val="000000"/>
                 </a:solidFill>
-                <a:latin typeface="Play Bold"/>
+                <a:latin typeface="Product Sans" panose="020B0403030502040203" pitchFamily="34" charset="0"/>
                 <a:ea typeface="Play Bold"/>
                 <a:cs typeface="Play Bold"/>
                 <a:sym typeface="Play Bold"/>
@@ -5484,15 +5530,15 @@
         </p:nvSpPr>
         <p:spPr>
           <a:xfrm>
-            <a:off x="10141916" y="2908090"/>
-            <a:ext cx="3178838" cy="779261"/>
+            <a:off x="10141916" y="3182241"/>
+            <a:ext cx="4107484" cy="374846"/>
           </a:xfrm>
           <a:prstGeom prst="rect">
             <a:avLst/>
           </a:prstGeom>
         </p:spPr>
         <p:txBody>
-          <a:bodyPr lIns="0" tIns="0" rIns="0" bIns="0" rtlCol="0" anchor="t">
+          <a:bodyPr wrap="square" lIns="0" tIns="0" rIns="0" bIns="0" rtlCol="0" anchor="t">
             <a:spAutoFit/>
           </a:bodyPr>
           <a:lstStyle/>
@@ -5506,11 +5552,11 @@
               </a:spcBef>
             </a:pPr>
             <a:r>
-              <a:rPr lang="en-US" sz="2390" b="1">
+              <a:rPr lang="en-US" sz="2390" b="1" dirty="0">
                 <a:solidFill>
                   <a:srgbClr val="000000"/>
                 </a:solidFill>
-                <a:latin typeface="Play Bold"/>
+                <a:latin typeface="Product Sans" panose="020B0403030502040203" pitchFamily="34" charset="0"/>
                 <a:ea typeface="Play Bold"/>
                 <a:cs typeface="Play Bold"/>
                 <a:sym typeface="Play Bold"/>
@@ -5550,11 +5596,11 @@
               </a:spcBef>
             </a:pPr>
             <a:r>
-              <a:rPr lang="en-US" sz="2765" b="1">
+              <a:rPr lang="en-US" sz="2765" b="1" dirty="0">
                 <a:solidFill>
                   <a:srgbClr val="000000"/>
                 </a:solidFill>
-                <a:latin typeface="Play Bold"/>
+                <a:latin typeface="Product Sans" panose="020B0403030502040203" pitchFamily="34" charset="0"/>
                 <a:ea typeface="Play Bold"/>
                 <a:cs typeface="Play Bold"/>
                 <a:sym typeface="Play Bold"/>
@@ -5594,11 +5640,11 @@
               </a:spcBef>
             </a:pPr>
             <a:r>
-              <a:rPr lang="en-US" sz="2765" b="1">
+              <a:rPr lang="en-US" sz="2765" b="1" dirty="0">
                 <a:solidFill>
                   <a:srgbClr val="000000"/>
                 </a:solidFill>
-                <a:latin typeface="Play Bold"/>
+                <a:latin typeface="Product Sans" panose="020B0403030502040203" pitchFamily="34" charset="0"/>
                 <a:ea typeface="Play Bold"/>
                 <a:cs typeface="Play Bold"/>
                 <a:sym typeface="Play Bold"/>
@@ -5638,11 +5684,11 @@
               </a:spcBef>
             </a:pPr>
             <a:r>
-              <a:rPr lang="en-US" sz="2390" b="1">
+              <a:rPr lang="en-US" sz="2390" b="1" dirty="0">
                 <a:solidFill>
                   <a:srgbClr val="000000"/>
                 </a:solidFill>
-                <a:latin typeface="Play Bold"/>
+                <a:latin typeface="Product Sans" panose="020B0403030502040203" pitchFamily="34" charset="0"/>
                 <a:ea typeface="Play Bold"/>
                 <a:cs typeface="Play Bold"/>
                 <a:sym typeface="Play Bold"/>
@@ -5685,7 +5731,7 @@
         </p:nvSpPr>
         <p:spPr>
           <a:xfrm>
-            <a:off x="12471744" y="105515"/>
+            <a:off x="12471744" y="496781"/>
             <a:ext cx="5482881" cy="5923810"/>
           </a:xfrm>
           <a:custGeom>
@@ -5722,6 +5768,13 @@
             </a:stretch>
           </a:blipFill>
         </p:spPr>
+        <p:txBody>
+          <a:bodyPr/>
+          <a:lstStyle/>
+          <a:p>
+            <a:endParaRPr lang="en-US"/>
+          </a:p>
+        </p:txBody>
       </p:sp>
       <p:sp>
         <p:nvSpPr>
@@ -5731,7 +5784,7 @@
         </p:nvSpPr>
         <p:spPr>
           <a:xfrm>
-            <a:off x="6757182" y="105515"/>
+            <a:off x="6757182" y="496781"/>
             <a:ext cx="5478951" cy="5942119"/>
           </a:xfrm>
           <a:custGeom>
@@ -5768,6 +5821,13 @@
             </a:stretch>
           </a:blipFill>
         </p:spPr>
+        <p:txBody>
+          <a:bodyPr/>
+          <a:lstStyle/>
+          <a:p>
+            <a:endParaRPr lang="en-US"/>
+          </a:p>
+        </p:txBody>
       </p:sp>
       <p:sp>
         <p:nvSpPr>
@@ -5777,7 +5837,7 @@
         </p:nvSpPr>
         <p:spPr>
           <a:xfrm>
-            <a:off x="188320" y="1787701"/>
+            <a:off x="304800" y="2188564"/>
             <a:ext cx="6358203" cy="2441234"/>
           </a:xfrm>
           <a:prstGeom prst="rect">
@@ -5796,11 +5856,11 @@
               </a:lnSpc>
             </a:pPr>
             <a:r>
-              <a:rPr lang="en-US" sz="7989" b="1">
+              <a:rPr lang="en-US" sz="8000" b="1" dirty="0">
                 <a:solidFill>
                   <a:srgbClr val="000000"/>
                 </a:solidFill>
-                <a:latin typeface="Play Bold"/>
+                <a:latin typeface="Product Sans" panose="020B0403030502040203" pitchFamily="34" charset="0"/>
                 <a:ea typeface="Play Bold"/>
                 <a:cs typeface="Play Bold"/>
                 <a:sym typeface="Play Bold"/>
@@ -5818,7 +5878,7 @@
         </p:nvSpPr>
         <p:spPr>
           <a:xfrm>
-            <a:off x="188320" y="6362700"/>
+            <a:off x="409575" y="6633432"/>
             <a:ext cx="4365393" cy="415068"/>
           </a:xfrm>
           <a:prstGeom prst="rect">
@@ -5837,11 +5897,11 @@
               </a:lnSpc>
             </a:pPr>
             <a:r>
-              <a:rPr lang="en-US" sz="2567" b="1">
+              <a:rPr lang="en-US" sz="2567" b="1" dirty="0">
                 <a:solidFill>
                   <a:srgbClr val="000000"/>
                 </a:solidFill>
-                <a:latin typeface="Play Bold"/>
+                <a:latin typeface="Product Sans" panose="020B0403030502040203" pitchFamily="34" charset="0"/>
                 <a:ea typeface="Play Bold"/>
                 <a:cs typeface="Play Bold"/>
                 <a:sym typeface="Play Bold"/>
@@ -5859,7 +5919,7 @@
         </p:nvSpPr>
         <p:spPr>
           <a:xfrm>
-            <a:off x="4449551" y="6362700"/>
+            <a:off x="4582902" y="6633432"/>
             <a:ext cx="4365393" cy="415068"/>
           </a:xfrm>
           <a:prstGeom prst="rect">
@@ -5878,11 +5938,11 @@
               </a:lnSpc>
             </a:pPr>
             <a:r>
-              <a:rPr lang="en-US" sz="2567" b="1">
+              <a:rPr lang="en-US" sz="2567" b="1" dirty="0">
                 <a:solidFill>
                   <a:srgbClr val="000000"/>
                 </a:solidFill>
-                <a:latin typeface="Play Bold"/>
+                <a:latin typeface="Product Sans" panose="020B0403030502040203" pitchFamily="34" charset="0"/>
                 <a:ea typeface="Play Bold"/>
                 <a:cs typeface="Play Bold"/>
                 <a:sym typeface="Play Bold"/>
@@ -5900,7 +5960,7 @@
         </p:nvSpPr>
         <p:spPr>
           <a:xfrm>
-            <a:off x="9047967" y="6362700"/>
+            <a:off x="9339705" y="6633432"/>
             <a:ext cx="4365393" cy="415068"/>
           </a:xfrm>
           <a:prstGeom prst="rect">
@@ -5919,11 +5979,11 @@
               </a:lnSpc>
             </a:pPr>
             <a:r>
-              <a:rPr lang="en-US" sz="2567" b="1">
+              <a:rPr lang="en-US" sz="2567" b="1" dirty="0">
                 <a:solidFill>
                   <a:srgbClr val="000000"/>
                 </a:solidFill>
-                <a:latin typeface="Play Bold"/>
+                <a:latin typeface="Product Sans" panose="020B0403030502040203" pitchFamily="34" charset="0"/>
                 <a:ea typeface="Play Bold"/>
                 <a:cs typeface="Play Bold"/>
                 <a:sym typeface="Play Bold"/>
@@ -5962,12 +6022,12 @@
               <a:buChar char="•"/>
             </a:pPr>
             <a:r>
-              <a:rPr lang="en-US" sz="2370">
+              <a:rPr lang="en-US" sz="2370" dirty="0">
                 <a:solidFill>
                   <a:srgbClr val="000000"/>
                 </a:solidFill>
-                <a:latin typeface="Play"/>
-                <a:ea typeface="Play"/>
+                <a:latin typeface="Roboto" panose="02000000000000000000" pitchFamily="2" charset="0"/>
+                <a:ea typeface="Roboto" panose="02000000000000000000" pitchFamily="2" charset="0"/>
                 <a:cs typeface="Play"/>
                 <a:sym typeface="Play"/>
               </a:rPr>
@@ -5985,7 +6045,7 @@
         <p:spPr>
           <a:xfrm>
             <a:off x="4344163" y="7328435"/>
-            <a:ext cx="4470781" cy="1551051"/>
+            <a:ext cx="4470781" cy="1566776"/>
           </a:xfrm>
           <a:prstGeom prst="rect">
             <a:avLst/>
@@ -6008,24 +6068,24 @@
               <a:buChar char="•"/>
             </a:pPr>
             <a:r>
-              <a:rPr lang="en-US" sz="2370">
+              <a:rPr lang="en-US" sz="2370" dirty="0">
                 <a:solidFill>
                   <a:srgbClr val="000000"/>
                 </a:solidFill>
-                <a:latin typeface="Play"/>
-                <a:ea typeface="Play"/>
+                <a:latin typeface="Roboto" panose="02000000000000000000" pitchFamily="2" charset="0"/>
+                <a:ea typeface="Roboto" panose="02000000000000000000" pitchFamily="2" charset="0"/>
                 <a:cs typeface="Play"/>
                 <a:sym typeface="Play"/>
               </a:rPr>
               <a:t>Real-</a:t>
             </a:r>
             <a:r>
-              <a:rPr lang="en-US" sz="2370" u="none" strike="noStrike">
+              <a:rPr lang="en-US" sz="2370" u="none" strike="noStrike" dirty="0">
                 <a:solidFill>
                   <a:srgbClr val="000000"/>
                 </a:solidFill>
-                <a:latin typeface="Play"/>
-                <a:ea typeface="Play"/>
+                <a:latin typeface="Roboto" panose="02000000000000000000" pitchFamily="2" charset="0"/>
+                <a:ea typeface="Roboto" panose="02000000000000000000" pitchFamily="2" charset="0"/>
                 <a:cs typeface="Play"/>
                 <a:sym typeface="Play"/>
               </a:rPr>
@@ -6044,12 +6104,12 @@
               <a:buChar char="•"/>
             </a:pPr>
             <a:r>
-              <a:rPr lang="en-US" sz="2370" u="none" strike="noStrike">
+              <a:rPr lang="en-US" sz="2370" u="none" strike="noStrike" dirty="0">
                 <a:solidFill>
                   <a:srgbClr val="000000"/>
                 </a:solidFill>
-                <a:latin typeface="Play"/>
-                <a:ea typeface="Play"/>
+                <a:latin typeface="Roboto" panose="02000000000000000000" pitchFamily="2" charset="0"/>
+                <a:ea typeface="Roboto" panose="02000000000000000000" pitchFamily="2" charset="0"/>
                 <a:cs typeface="Play"/>
                 <a:sym typeface="Play"/>
               </a:rPr>
@@ -6067,7 +6127,7 @@
         <p:spPr>
           <a:xfrm>
             <a:off x="9047967" y="7177818"/>
-            <a:ext cx="4365393" cy="1551051"/>
+            <a:ext cx="4365393" cy="1566776"/>
           </a:xfrm>
           <a:prstGeom prst="rect">
             <a:avLst/>
@@ -6090,24 +6150,24 @@
               <a:buChar char="•"/>
             </a:pPr>
             <a:r>
-              <a:rPr lang="en-US" sz="2370">
+              <a:rPr lang="en-US" sz="2370" dirty="0">
                 <a:solidFill>
                   <a:srgbClr val="000000"/>
                 </a:solidFill>
-                <a:latin typeface="Play"/>
-                <a:ea typeface="Play"/>
+                <a:latin typeface="Roboto" panose="02000000000000000000" pitchFamily="2" charset="0"/>
+                <a:ea typeface="Roboto" panose="02000000000000000000" pitchFamily="2" charset="0"/>
                 <a:cs typeface="Play"/>
                 <a:sym typeface="Play"/>
               </a:rPr>
               <a:t>Matrix </a:t>
             </a:r>
             <a:r>
-              <a:rPr lang="en-US" sz="2370" u="none" strike="noStrike">
+              <a:rPr lang="en-US" sz="2370" u="none" strike="noStrike" dirty="0">
                 <a:solidFill>
                   <a:srgbClr val="000000"/>
                 </a:solidFill>
-                <a:latin typeface="Play"/>
-                <a:ea typeface="Play"/>
+                <a:latin typeface="Roboto" panose="02000000000000000000" pitchFamily="2" charset="0"/>
+                <a:ea typeface="Roboto" panose="02000000000000000000" pitchFamily="2" charset="0"/>
                 <a:cs typeface="Play"/>
                 <a:sym typeface="Play"/>
               </a:rPr>
@@ -6126,12 +6186,12 @@
               <a:buChar char="•"/>
             </a:pPr>
             <a:r>
-              <a:rPr lang="en-US" sz="2370" u="none" strike="noStrike">
+              <a:rPr lang="en-US" sz="2370" u="none" strike="noStrike" dirty="0">
                 <a:solidFill>
                   <a:srgbClr val="000000"/>
                 </a:solidFill>
-                <a:latin typeface="Play"/>
-                <a:ea typeface="Play"/>
+                <a:latin typeface="Roboto" panose="02000000000000000000" pitchFamily="2" charset="0"/>
+                <a:ea typeface="Roboto" panose="02000000000000000000" pitchFamily="2" charset="0"/>
                 <a:cs typeface="Play"/>
                 <a:sym typeface="Play"/>
               </a:rPr>
@@ -6149,7 +6209,7 @@
         <p:spPr>
           <a:xfrm>
             <a:off x="17259300" y="9210675"/>
-            <a:ext cx="152400" cy="200025"/>
+            <a:ext cx="403957" cy="335541"/>
           </a:xfrm>
           <a:prstGeom prst="rect">
             <a:avLst/>
@@ -6170,7 +6230,7 @@
               </a:spcBef>
             </a:pPr>
             <a:r>
-              <a:rPr lang="en-US" sz="2000">
+              <a:rPr lang="en-US" sz="2000" dirty="0">
                 <a:solidFill>
                   <a:srgbClr val="000000"/>
                 </a:solidFill>
@@ -6179,7 +6239,7 @@
                 <a:cs typeface="Canva Sans"/>
                 <a:sym typeface="Canva Sans"/>
               </a:rPr>
-              <a:t>6</a:t>
+              <a:t>5/5</a:t>
             </a:r>
           </a:p>
         </p:txBody>
@@ -6192,7 +6252,7 @@
         </p:nvSpPr>
         <p:spPr>
           <a:xfrm>
-            <a:off x="13513032" y="6362700"/>
+            <a:off x="13705098" y="6633432"/>
             <a:ext cx="4365393" cy="415068"/>
           </a:xfrm>
           <a:prstGeom prst="rect">
@@ -6211,11 +6271,11 @@
               </a:lnSpc>
             </a:pPr>
             <a:r>
-              <a:rPr lang="en-US" sz="2567" b="1">
+              <a:rPr lang="en-US" sz="2567" b="1" dirty="0">
                 <a:solidFill>
                   <a:srgbClr val="000000"/>
                 </a:solidFill>
-                <a:latin typeface="Play Bold"/>
+                <a:latin typeface="Product Sans" panose="020B0403030502040203" pitchFamily="34" charset="0"/>
                 <a:ea typeface="Play Bold"/>
                 <a:cs typeface="Play Bold"/>
                 <a:sym typeface="Play Bold"/>
@@ -6234,7 +6294,7 @@
         <p:spPr>
           <a:xfrm>
             <a:off x="13513032" y="7122015"/>
-            <a:ext cx="4365393" cy="1941576"/>
+            <a:ext cx="4365393" cy="1964320"/>
           </a:xfrm>
           <a:prstGeom prst="rect">
             <a:avLst/>
@@ -6257,24 +6317,24 @@
               <a:buChar char="•"/>
             </a:pPr>
             <a:r>
-              <a:rPr lang="en-US" sz="2370">
+              <a:rPr lang="en-US" sz="2370" dirty="0">
                 <a:solidFill>
                   <a:srgbClr val="000000"/>
                 </a:solidFill>
-                <a:latin typeface="Play"/>
-                <a:ea typeface="Play"/>
+                <a:latin typeface="Roboto" panose="02000000000000000000" pitchFamily="2" charset="0"/>
+                <a:ea typeface="Roboto" panose="02000000000000000000" pitchFamily="2" charset="0"/>
                 <a:cs typeface="Play"/>
                 <a:sym typeface="Play"/>
               </a:rPr>
-              <a:t>a</a:t>
-            </a:r>
-            <a:r>
-              <a:rPr lang="en-US" sz="2370" u="none" strike="noStrike">
+              <a:t>Ma</a:t>
+            </a:r>
+            <a:r>
+              <a:rPr lang="en-US" sz="2370" u="none" strike="noStrike" dirty="0">
                 <a:solidFill>
                   <a:srgbClr val="000000"/>
                 </a:solidFill>
-                <a:latin typeface="Play"/>
-                <a:ea typeface="Play"/>
+                <a:latin typeface="Roboto" panose="02000000000000000000" pitchFamily="2" charset="0"/>
+                <a:ea typeface="Roboto" panose="02000000000000000000" pitchFamily="2" charset="0"/>
                 <a:cs typeface="Play"/>
                 <a:sym typeface="Play"/>
               </a:rPr>
@@ -6293,12 +6353,12 @@
               <a:buChar char="•"/>
             </a:pPr>
             <a:r>
-              <a:rPr lang="en-US" sz="2370" u="none" strike="noStrike">
+              <a:rPr lang="en-US" sz="2370" u="none" strike="noStrike" dirty="0">
                 <a:solidFill>
                   <a:srgbClr val="000000"/>
                 </a:solidFill>
-                <a:latin typeface="Play"/>
-                <a:ea typeface="Play"/>
+                <a:latin typeface="Roboto" panose="02000000000000000000" pitchFamily="2" charset="0"/>
+                <a:ea typeface="Roboto" panose="02000000000000000000" pitchFamily="2" charset="0"/>
                 <a:cs typeface="Play"/>
                 <a:sym typeface="Play"/>
               </a:rPr>
@@ -6334,65 +6394,13 @@
       </p:grpSpPr>
       <p:sp>
         <p:nvSpPr>
-          <p:cNvPr id="2" name="Freeform 2"/>
-          <p:cNvSpPr/>
-          <p:nvPr/>
-        </p:nvSpPr>
-        <p:spPr>
-          <a:xfrm>
-            <a:off x="1006577" y="2170627"/>
-            <a:ext cx="6199134" cy="7766568"/>
-          </a:xfrm>
-          <a:custGeom>
-            <a:avLst/>
-            <a:gdLst/>
-            <a:ahLst/>
-            <a:cxnLst/>
-            <a:rect l="l" t="t" r="r" b="b"/>
-            <a:pathLst>
-              <a:path w="6199134" h="7766568">
-                <a:moveTo>
-                  <a:pt x="0" y="0"/>
-                </a:moveTo>
-                <a:lnTo>
-                  <a:pt x="6199134" y="0"/>
-                </a:lnTo>
-                <a:lnTo>
-                  <a:pt x="6199134" y="7766568"/>
-                </a:lnTo>
-                <a:lnTo>
-                  <a:pt x="0" y="7766568"/>
-                </a:lnTo>
-                <a:lnTo>
-                  <a:pt x="0" y="0"/>
-                </a:lnTo>
-                <a:close/>
-              </a:path>
-            </a:pathLst>
-          </a:custGeom>
-          <a:blipFill>
-            <a:blip r:embed="rId2">
-              <a:extLst>
-                <a:ext uri="{96DAC541-7B7A-43D3-8B79-37D633B846F1}">
-                  <asvg:svgBlip xmlns:asvg="http://schemas.microsoft.com/office/drawing/2016/SVG/main" r:embed="rId3"/>
-                </a:ext>
-              </a:extLst>
-            </a:blip>
-            <a:stretch>
-              <a:fillRect/>
-            </a:stretch>
-          </a:blipFill>
-        </p:spPr>
-      </p:sp>
-      <p:sp>
-        <p:nvSpPr>
           <p:cNvPr id="3" name="TextBox 3"/>
           <p:cNvSpPr txBox="1"/>
           <p:nvPr/>
         </p:nvSpPr>
         <p:spPr>
           <a:xfrm>
-            <a:off x="1028700" y="1217043"/>
+            <a:off x="1134208" y="4721814"/>
             <a:ext cx="16230600" cy="843372"/>
           </a:xfrm>
           <a:prstGeom prst="rect">
@@ -6424,280 +6432,6 @@
                 <a:sym typeface="Play Bold"/>
               </a:rPr>
               <a:t>Thank You!</a:t>
-            </a:r>
-          </a:p>
-        </p:txBody>
-      </p:sp>
-      <p:sp>
-        <p:nvSpPr>
-          <p:cNvPr id="4" name="AutoShape 4"/>
-          <p:cNvSpPr/>
-          <p:nvPr/>
-        </p:nvSpPr>
-        <p:spPr>
-          <a:xfrm flipH="1">
-            <a:off x="9144000" y="4862011"/>
-            <a:ext cx="8115300" cy="0"/>
-          </a:xfrm>
-          <a:prstGeom prst="line">
-            <a:avLst/>
-          </a:prstGeom>
-          <a:ln w="9525" cap="rnd">
-            <a:solidFill>
-              <a:srgbClr val="7BBBE5"/>
-            </a:solidFill>
-            <a:prstDash val="solid"/>
-            <a:headEnd type="none" w="sm" len="sm"/>
-            <a:tailEnd type="none" w="sm" len="sm"/>
-          </a:ln>
-        </p:spPr>
-      </p:sp>
-      <p:grpSp>
-        <p:nvGrpSpPr>
-          <p:cNvPr id="6" name="Group 6"/>
-          <p:cNvGrpSpPr/>
-          <p:nvPr/>
-        </p:nvGrpSpPr>
-        <p:grpSpPr>
-          <a:xfrm>
-            <a:off x="9144000" y="3215706"/>
-            <a:ext cx="7522388" cy="963558"/>
-            <a:chOff x="0" y="-28575"/>
-            <a:chExt cx="10029851" cy="1284744"/>
-          </a:xfrm>
-        </p:grpSpPr>
-        <p:sp>
-          <p:nvSpPr>
-            <p:cNvPr id="7" name="TextBox 7"/>
-            <p:cNvSpPr txBox="1"/>
-            <p:nvPr/>
-          </p:nvSpPr>
-          <p:spPr>
-            <a:xfrm>
-              <a:off x="0" y="-28575"/>
-              <a:ext cx="10029851" cy="508635"/>
-            </a:xfrm>
-            <a:prstGeom prst="rect">
-              <a:avLst/>
-            </a:prstGeom>
-          </p:spPr>
-          <p:txBody>
-            <a:bodyPr lIns="0" tIns="0" rIns="0" bIns="0" rtlCol="0" anchor="t">
-              <a:spAutoFit/>
-            </a:bodyPr>
-            <a:lstStyle/>
-            <a:p>
-              <a:pPr marL="0" lvl="0" indent="0" algn="l">
-                <a:lnSpc>
-                  <a:spcPts val="3120"/>
-                </a:lnSpc>
-                <a:spcBef>
-                  <a:spcPct val="0"/>
-                </a:spcBef>
-              </a:pPr>
-              <a:r>
-                <a:rPr lang="en-US" sz="2400" u="none" strike="noStrike">
-                  <a:solidFill>
-                    <a:srgbClr val="000000"/>
-                  </a:solidFill>
-                  <a:latin typeface="Play"/>
-                  <a:ea typeface="Play"/>
-                  <a:cs typeface="Play"/>
-                  <a:sym typeface="Play"/>
-                </a:rPr>
-                <a:t>Email </a:t>
-              </a:r>
-            </a:p>
-          </p:txBody>
-        </p:sp>
-        <p:sp>
-          <p:nvSpPr>
-            <p:cNvPr id="8" name="TextBox 8"/>
-            <p:cNvSpPr txBox="1"/>
-            <p:nvPr/>
-          </p:nvSpPr>
-          <p:spPr>
-            <a:xfrm>
-              <a:off x="0" y="703624"/>
-              <a:ext cx="10029851" cy="552545"/>
-            </a:xfrm>
-            <a:prstGeom prst="rect">
-              <a:avLst/>
-            </a:prstGeom>
-          </p:spPr>
-          <p:txBody>
-            <a:bodyPr lIns="0" tIns="0" rIns="0" bIns="0" rtlCol="0" anchor="t">
-              <a:spAutoFit/>
-            </a:bodyPr>
-            <a:lstStyle/>
-            <a:p>
-              <a:pPr marL="0" lvl="0" indent="0" algn="l">
-                <a:lnSpc>
-                  <a:spcPts val="3454"/>
-                </a:lnSpc>
-                <a:spcBef>
-                  <a:spcPct val="0"/>
-                </a:spcBef>
-              </a:pPr>
-              <a:r>
-                <a:rPr lang="en-US" sz="2657" b="1" u="none" strike="noStrike" dirty="0">
-                  <a:solidFill>
-                    <a:srgbClr val="000000"/>
-                  </a:solidFill>
-                  <a:latin typeface="Play Bold"/>
-                  <a:ea typeface="Play Bold"/>
-                  <a:cs typeface="Play Bold"/>
-                  <a:sym typeface="Play Bold"/>
-                </a:rPr>
-                <a:t>abdelrahman.mohamed2@stud.th-deg.de</a:t>
-              </a:r>
-            </a:p>
-          </p:txBody>
-        </p:sp>
-      </p:grpSp>
-      <p:grpSp>
-        <p:nvGrpSpPr>
-          <p:cNvPr id="9" name="Group 9"/>
-          <p:cNvGrpSpPr/>
-          <p:nvPr/>
-        </p:nvGrpSpPr>
-        <p:grpSpPr>
-          <a:xfrm>
-            <a:off x="9144000" y="5504762"/>
-            <a:ext cx="7522388" cy="963558"/>
-            <a:chOff x="0" y="-28575"/>
-            <a:chExt cx="10029851" cy="1284744"/>
-          </a:xfrm>
-        </p:grpSpPr>
-        <p:sp>
-          <p:nvSpPr>
-            <p:cNvPr id="10" name="TextBox 10"/>
-            <p:cNvSpPr txBox="1"/>
-            <p:nvPr/>
-          </p:nvSpPr>
-          <p:spPr>
-            <a:xfrm>
-              <a:off x="0" y="-28575"/>
-              <a:ext cx="10029851" cy="508635"/>
-            </a:xfrm>
-            <a:prstGeom prst="rect">
-              <a:avLst/>
-            </a:prstGeom>
-          </p:spPr>
-          <p:txBody>
-            <a:bodyPr lIns="0" tIns="0" rIns="0" bIns="0" rtlCol="0" anchor="t">
-              <a:spAutoFit/>
-            </a:bodyPr>
-            <a:lstStyle/>
-            <a:p>
-              <a:pPr marL="0" lvl="0" indent="0" algn="l">
-                <a:lnSpc>
-                  <a:spcPts val="3120"/>
-                </a:lnSpc>
-                <a:spcBef>
-                  <a:spcPct val="0"/>
-                </a:spcBef>
-              </a:pPr>
-              <a:r>
-                <a:rPr lang="en-US" sz="2400" u="none" strike="noStrike">
-                  <a:solidFill>
-                    <a:srgbClr val="000000"/>
-                  </a:solidFill>
-                  <a:latin typeface="Play"/>
-                  <a:ea typeface="Play"/>
-                  <a:cs typeface="Play"/>
-                  <a:sym typeface="Play"/>
-                </a:rPr>
-                <a:t>Social media </a:t>
-              </a:r>
-            </a:p>
-          </p:txBody>
-        </p:sp>
-        <p:sp>
-          <p:nvSpPr>
-            <p:cNvPr id="11" name="TextBox 11"/>
-            <p:cNvSpPr txBox="1"/>
-            <p:nvPr/>
-          </p:nvSpPr>
-          <p:spPr>
-            <a:xfrm>
-              <a:off x="0" y="703624"/>
-              <a:ext cx="10029851" cy="552545"/>
-            </a:xfrm>
-            <a:prstGeom prst="rect">
-              <a:avLst/>
-            </a:prstGeom>
-          </p:spPr>
-          <p:txBody>
-            <a:bodyPr lIns="0" tIns="0" rIns="0" bIns="0" rtlCol="0" anchor="t">
-              <a:spAutoFit/>
-            </a:bodyPr>
-            <a:lstStyle/>
-            <a:p>
-              <a:pPr marL="0" lvl="0" indent="0" algn="l">
-                <a:lnSpc>
-                  <a:spcPts val="3454"/>
-                </a:lnSpc>
-                <a:spcBef>
-                  <a:spcPct val="0"/>
-                </a:spcBef>
-              </a:pPr>
-              <a:r>
-                <a:rPr lang="en-US" sz="2657" b="1" u="none" strike="noStrike" dirty="0">
-                  <a:solidFill>
-                    <a:srgbClr val="000000"/>
-                  </a:solidFill>
-                  <a:latin typeface="Play Bold"/>
-                  <a:ea typeface="Play Bold"/>
-                  <a:cs typeface="Play Bold"/>
-                  <a:sym typeface="Play Bold"/>
-                </a:rPr>
-                <a:t>https://www.linkedin.com/in/aaref5720/</a:t>
-              </a:r>
-            </a:p>
-          </p:txBody>
-        </p:sp>
-      </p:grpSp>
-      <p:sp>
-        <p:nvSpPr>
-          <p:cNvPr id="15" name="TextBox 15"/>
-          <p:cNvSpPr txBox="1"/>
-          <p:nvPr/>
-        </p:nvSpPr>
-        <p:spPr>
-          <a:xfrm>
-            <a:off x="17259300" y="9210675"/>
-            <a:ext cx="152400" cy="200025"/>
-          </a:xfrm>
-          <a:prstGeom prst="rect">
-            <a:avLst/>
-          </a:prstGeom>
-        </p:spPr>
-        <p:txBody>
-          <a:bodyPr wrap="none" lIns="0" tIns="0" rIns="0" bIns="0" rtlCol="0" anchor="t">
-            <a:spAutoFit/>
-          </a:bodyPr>
-          <a:lstStyle/>
-          <a:p>
-            <a:pPr algn="l">
-              <a:lnSpc>
-                <a:spcPts val="2800"/>
-              </a:lnSpc>
-              <a:spcBef>
-                <a:spcPct val="0"/>
-              </a:spcBef>
-            </a:pPr>
-            <a:r>
-              <a:rPr lang="en-US" sz="2000">
-                <a:solidFill>
-                  <a:srgbClr val="000000"/>
-                </a:solidFill>
-                <a:latin typeface="Canva Sans"/>
-                <a:ea typeface="Canva Sans"/>
-                <a:cs typeface="Canva Sans"/>
-                <a:sym typeface="Canva Sans"/>
-              </a:rPr>
-              <a:t>7</a:t>
             </a:r>
           </a:p>
         </p:txBody>

--- a/Presentation.pptx
+++ b/Presentation.pptx
@@ -9,7 +9,7 @@
     <p:sldId id="257" r:id="rId3"/>
     <p:sldId id="258" r:id="rId4"/>
     <p:sldId id="259" r:id="rId5"/>
-    <p:sldId id="260" r:id="rId6"/>
+    <p:sldId id="263" r:id="rId6"/>
     <p:sldId id="261" r:id="rId7"/>
     <p:sldId id="262" r:id="rId8"/>
   </p:sldIdLst>
@@ -381,7 +381,7 @@
             <a:fld id="{1D8BD707-D9CF-40AE-B4C6-C98DA3205C09}" type="datetimeFigureOut">
               <a:rPr lang="en-US" smtClean="0"/>
               <a:pPr/>
-              <a:t>4/27/2025</a:t>
+              <a:t>4/28/2025</a:t>
             </a:fld>
             <a:endParaRPr lang="en-US"/>
           </a:p>
@@ -546,7 +546,7 @@
             <a:fld id="{1D8BD707-D9CF-40AE-B4C6-C98DA3205C09}" type="datetimeFigureOut">
               <a:rPr lang="en-US" smtClean="0"/>
               <a:pPr/>
-              <a:t>4/27/2025</a:t>
+              <a:t>4/28/2025</a:t>
             </a:fld>
             <a:endParaRPr lang="en-US"/>
           </a:p>
@@ -721,7 +721,7 @@
             <a:fld id="{1D8BD707-D9CF-40AE-B4C6-C98DA3205C09}" type="datetimeFigureOut">
               <a:rPr lang="en-US" smtClean="0"/>
               <a:pPr/>
-              <a:t>4/27/2025</a:t>
+              <a:t>4/28/2025</a:t>
             </a:fld>
             <a:endParaRPr lang="en-US"/>
           </a:p>
@@ -886,7 +886,7 @@
             <a:fld id="{1D8BD707-D9CF-40AE-B4C6-C98DA3205C09}" type="datetimeFigureOut">
               <a:rPr lang="en-US" smtClean="0"/>
               <a:pPr/>
-              <a:t>4/27/2025</a:t>
+              <a:t>4/28/2025</a:t>
             </a:fld>
             <a:endParaRPr lang="en-US"/>
           </a:p>
@@ -1128,7 +1128,7 @@
             <a:fld id="{1D8BD707-D9CF-40AE-B4C6-C98DA3205C09}" type="datetimeFigureOut">
               <a:rPr lang="en-US" smtClean="0"/>
               <a:pPr/>
-              <a:t>4/27/2025</a:t>
+              <a:t>4/28/2025</a:t>
             </a:fld>
             <a:endParaRPr lang="en-US"/>
           </a:p>
@@ -1410,7 +1410,7 @@
             <a:fld id="{1D8BD707-D9CF-40AE-B4C6-C98DA3205C09}" type="datetimeFigureOut">
               <a:rPr lang="en-US" smtClean="0"/>
               <a:pPr/>
-              <a:t>4/27/2025</a:t>
+              <a:t>4/28/2025</a:t>
             </a:fld>
             <a:endParaRPr lang="en-US"/>
           </a:p>
@@ -1826,7 +1826,7 @@
             <a:fld id="{1D8BD707-D9CF-40AE-B4C6-C98DA3205C09}" type="datetimeFigureOut">
               <a:rPr lang="en-US" smtClean="0"/>
               <a:pPr/>
-              <a:t>4/27/2025</a:t>
+              <a:t>4/28/2025</a:t>
             </a:fld>
             <a:endParaRPr lang="en-US"/>
           </a:p>
@@ -1940,7 +1940,7 @@
             <a:fld id="{1D8BD707-D9CF-40AE-B4C6-C98DA3205C09}" type="datetimeFigureOut">
               <a:rPr lang="en-US" smtClean="0"/>
               <a:pPr/>
-              <a:t>4/27/2025</a:t>
+              <a:t>4/28/2025</a:t>
             </a:fld>
             <a:endParaRPr lang="en-US"/>
           </a:p>
@@ -2032,7 +2032,7 @@
             <a:fld id="{1D8BD707-D9CF-40AE-B4C6-C98DA3205C09}" type="datetimeFigureOut">
               <a:rPr lang="en-US" smtClean="0"/>
               <a:pPr/>
-              <a:t>4/27/2025</a:t>
+              <a:t>4/28/2025</a:t>
             </a:fld>
             <a:endParaRPr lang="en-US"/>
           </a:p>
@@ -2304,7 +2304,7 @@
             <a:fld id="{1D8BD707-D9CF-40AE-B4C6-C98DA3205C09}" type="datetimeFigureOut">
               <a:rPr lang="en-US" smtClean="0"/>
               <a:pPr/>
-              <a:t>4/27/2025</a:t>
+              <a:t>4/28/2025</a:t>
             </a:fld>
             <a:endParaRPr lang="en-US"/>
           </a:p>
@@ -2553,7 +2553,7 @@
             <a:fld id="{1D8BD707-D9CF-40AE-B4C6-C98DA3205C09}" type="datetimeFigureOut">
               <a:rPr lang="en-US" smtClean="0"/>
               <a:pPr/>
-              <a:t>4/27/2025</a:t>
+              <a:t>4/28/2025</a:t>
             </a:fld>
             <a:endParaRPr lang="en-US"/>
           </a:p>
@@ -2761,7 +2761,7 @@
             <a:fld id="{1D8BD707-D9CF-40AE-B4C6-C98DA3205C09}" type="datetimeFigureOut">
               <a:rPr lang="en-US" smtClean="0"/>
               <a:pPr/>
-              <a:t>4/27/2025</a:t>
+              <a:t>4/28/2025</a:t>
             </a:fld>
             <a:endParaRPr lang="en-US"/>
           </a:p>
@@ -5695,6 +5695,44 @@
               </a:rPr>
               <a:t>Performance Comparison</a:t>
             </a:r>
+          </a:p>
+        </p:txBody>
+      </p:sp>
+      <p:sp>
+        <p:nvSpPr>
+          <p:cNvPr id="14" name="TextBox 13">
+            <a:extLst>
+              <a:ext uri="{FF2B5EF4-FFF2-40B4-BE49-F238E27FC236}">
+                <a16:creationId xmlns:a16="http://schemas.microsoft.com/office/drawing/2014/main" id="{49F815F0-A949-469B-8201-2C43EAAE967A}"/>
+              </a:ext>
+            </a:extLst>
+          </p:cNvPr>
+          <p:cNvSpPr txBox="1"/>
+          <p:nvPr/>
+        </p:nvSpPr>
+        <p:spPr>
+          <a:xfrm>
+            <a:off x="312617" y="9108207"/>
+            <a:ext cx="4301762" cy="646331"/>
+          </a:xfrm>
+          <a:prstGeom prst="rect">
+            <a:avLst/>
+          </a:prstGeom>
+          <a:noFill/>
+        </p:spPr>
+        <p:txBody>
+          <a:bodyPr wrap="square" rtlCol="0">
+            <a:spAutoFit/>
+          </a:bodyPr>
+          <a:lstStyle/>
+          <a:p>
+            <a:r>
+              <a:rPr lang="en-US" dirty="0">
+                <a:hlinkClick r:id="rId7"/>
+              </a:rPr>
+              <a:t>Computer Graphics — HSV to RGB conversion, Wikipedia</a:t>
+            </a:r>
+            <a:endParaRPr lang="en-US" dirty="0"/>
           </a:p>
         </p:txBody>
       </p:sp>
